--- a/presentation/Project AppDev.pptx
+++ b/presentation/Project AppDev.pptx
@@ -108,6 +108,11 @@
       </a:defRPr>
     </a:lvl9pPr>
   </p:defaultTextStyle>
+  <p:extLst>
+    <p:ext uri="{EFAFB233-063F-42B5-8137-9DF3F51BA10A}">
+      <p15:sldGuideLst xmlns:p15="http://schemas.microsoft.com/office/powerpoint/2012/main"/>
+    </p:ext>
+  </p:extLst>
 </p:presentation>
 </file>
 
@@ -428,7 +433,7 @@
           <a:p>
             <a:fld id="{851CCAA1-7406-4F8E-9B33-E05E071D3AC9}" type="slidenum">
               <a:rPr lang="nl-BE" smtClean="0"/>
-              <a:t>‹nr.›</a:t>
+              <a:t>‹#›</a:t>
             </a:fld>
             <a:endParaRPr lang="nl-BE"/>
           </a:p>
@@ -766,7 +771,7 @@
           <a:p>
             <a:fld id="{851CCAA1-7406-4F8E-9B33-E05E071D3AC9}" type="slidenum">
               <a:rPr lang="nl-BE" smtClean="0"/>
-              <a:t>‹nr.›</a:t>
+              <a:t>‹#›</a:t>
             </a:fld>
             <a:endParaRPr lang="nl-BE"/>
           </a:p>
@@ -1167,7 +1172,7 @@
           <a:p>
             <a:fld id="{851CCAA1-7406-4F8E-9B33-E05E071D3AC9}" type="slidenum">
               <a:rPr lang="nl-BE" smtClean="0"/>
-              <a:t>‹nr.›</a:t>
+              <a:t>‹#›</a:t>
             </a:fld>
             <a:endParaRPr lang="nl-BE"/>
           </a:p>
@@ -1503,7 +1508,7 @@
           <a:p>
             <a:fld id="{851CCAA1-7406-4F8E-9B33-E05E071D3AC9}" type="slidenum">
               <a:rPr lang="nl-BE" smtClean="0"/>
-              <a:t>‹nr.›</a:t>
+              <a:t>‹#›</a:t>
             </a:fld>
             <a:endParaRPr lang="nl-BE"/>
           </a:p>
@@ -1823,7 +1828,7 @@
           <a:p>
             <a:fld id="{851CCAA1-7406-4F8E-9B33-E05E071D3AC9}" type="slidenum">
               <a:rPr lang="nl-BE" smtClean="0"/>
-              <a:t>‹nr.›</a:t>
+              <a:t>‹#›</a:t>
             </a:fld>
             <a:endParaRPr lang="nl-BE"/>
           </a:p>
@@ -2219,7 +2224,7 @@
           <a:p>
             <a:fld id="{851CCAA1-7406-4F8E-9B33-E05E071D3AC9}" type="slidenum">
               <a:rPr lang="nl-BE" smtClean="0"/>
-              <a:t>‹nr.›</a:t>
+              <a:t>‹#›</a:t>
             </a:fld>
             <a:endParaRPr lang="nl-BE"/>
           </a:p>
@@ -2471,7 +2476,7 @@
           <a:p>
             <a:fld id="{851CCAA1-7406-4F8E-9B33-E05E071D3AC9}" type="slidenum">
               <a:rPr lang="nl-BE" smtClean="0"/>
-              <a:t>‹nr.›</a:t>
+              <a:t>‹#›</a:t>
             </a:fld>
             <a:endParaRPr lang="nl-BE"/>
           </a:p>
@@ -2733,7 +2738,7 @@
           <a:p>
             <a:fld id="{851CCAA1-7406-4F8E-9B33-E05E071D3AC9}" type="slidenum">
               <a:rPr lang="nl-BE" smtClean="0"/>
-              <a:t>‹nr.›</a:t>
+              <a:t>‹#›</a:t>
             </a:fld>
             <a:endParaRPr lang="nl-BE"/>
           </a:p>
@@ -2995,7 +3000,7 @@
           <a:p>
             <a:fld id="{851CCAA1-7406-4F8E-9B33-E05E071D3AC9}" type="slidenum">
               <a:rPr lang="nl-BE" smtClean="0"/>
-              <a:t>‹nr.›</a:t>
+              <a:t>‹#›</a:t>
             </a:fld>
             <a:endParaRPr lang="nl-BE"/>
           </a:p>
@@ -3329,7 +3334,7 @@
           <a:p>
             <a:fld id="{851CCAA1-7406-4F8E-9B33-E05E071D3AC9}" type="slidenum">
               <a:rPr lang="nl-BE" smtClean="0"/>
-              <a:t>‹nr.›</a:t>
+              <a:t>‹#›</a:t>
             </a:fld>
             <a:endParaRPr lang="nl-BE"/>
           </a:p>
@@ -3652,7 +3657,7 @@
           <a:p>
             <a:fld id="{851CCAA1-7406-4F8E-9B33-E05E071D3AC9}" type="slidenum">
               <a:rPr lang="nl-BE" smtClean="0"/>
-              <a:t>‹nr.›</a:t>
+              <a:t>‹#›</a:t>
             </a:fld>
             <a:endParaRPr lang="nl-BE"/>
           </a:p>
@@ -4109,7 +4114,7 @@
           <a:p>
             <a:fld id="{851CCAA1-7406-4F8E-9B33-E05E071D3AC9}" type="slidenum">
               <a:rPr lang="nl-BE" smtClean="0"/>
-              <a:t>‹nr.›</a:t>
+              <a:t>‹#›</a:t>
             </a:fld>
             <a:endParaRPr lang="nl-BE"/>
           </a:p>
@@ -4309,7 +4314,7 @@
           <a:p>
             <a:fld id="{851CCAA1-7406-4F8E-9B33-E05E071D3AC9}" type="slidenum">
               <a:rPr lang="nl-BE" smtClean="0"/>
-              <a:t>‹nr.›</a:t>
+              <a:t>‹#›</a:t>
             </a:fld>
             <a:endParaRPr lang="nl-BE"/>
           </a:p>
@@ -4486,7 +4491,7 @@
           <a:p>
             <a:fld id="{851CCAA1-7406-4F8E-9B33-E05E071D3AC9}" type="slidenum">
               <a:rPr lang="nl-BE" smtClean="0"/>
-              <a:t>‹nr.›</a:t>
+              <a:t>‹#›</a:t>
             </a:fld>
             <a:endParaRPr lang="nl-BE"/>
           </a:p>
@@ -4819,7 +4824,7 @@
           <a:p>
             <a:fld id="{851CCAA1-7406-4F8E-9B33-E05E071D3AC9}" type="slidenum">
               <a:rPr lang="nl-BE" smtClean="0"/>
-              <a:t>‹nr.›</a:t>
+              <a:t>‹#›</a:t>
             </a:fld>
             <a:endParaRPr lang="nl-BE"/>
           </a:p>
@@ -5169,7 +5174,7 @@
           <a:p>
             <a:fld id="{851CCAA1-7406-4F8E-9B33-E05E071D3AC9}" type="slidenum">
               <a:rPr lang="nl-BE" smtClean="0"/>
-              <a:t>‹nr.›</a:t>
+              <a:t>‹#›</a:t>
             </a:fld>
             <a:endParaRPr lang="nl-BE"/>
           </a:p>
@@ -7233,7 +7238,7 @@
           <a:p>
             <a:fld id="{851CCAA1-7406-4F8E-9B33-E05E071D3AC9}" type="slidenum">
               <a:rPr lang="nl-BE" smtClean="0"/>
-              <a:t>‹nr.›</a:t>
+              <a:t>‹#›</a:t>
             </a:fld>
             <a:endParaRPr lang="nl-BE"/>
           </a:p>
@@ -7858,6 +7863,49 @@
               <a:rPr lang="nl-BE" dirty="0" smtClean="0"/>
               <a:t>Noodnummers</a:t>
             </a:r>
+          </a:p>
+          <a:p>
+            <a:pPr lvl="1"/>
+            <a:r>
+              <a:rPr lang="nl-BE" dirty="0" smtClean="0"/>
+              <a:t>Nieuws</a:t>
+            </a:r>
+          </a:p>
+          <a:p>
+            <a:pPr lvl="1"/>
+            <a:r>
+              <a:rPr lang="nl-BE" dirty="0" smtClean="0"/>
+              <a:t>Evenementen</a:t>
+            </a:r>
+          </a:p>
+          <a:p>
+            <a:pPr lvl="1"/>
+            <a:r>
+              <a:rPr lang="nl-BE" dirty="0" smtClean="0"/>
+              <a:t>Reviews</a:t>
+            </a:r>
+          </a:p>
+          <a:p>
+            <a:pPr lvl="1"/>
+            <a:r>
+              <a:rPr lang="nl-BE" dirty="0" smtClean="0"/>
+              <a:t>Richtlijnen</a:t>
+            </a:r>
+            <a:endParaRPr lang="nl-BE" dirty="0"/>
+          </a:p>
+          <a:p>
+            <a:r>
+              <a:rPr lang="nl-BE" dirty="0" smtClean="0"/>
+              <a:t>Gebaseerd </a:t>
+            </a:r>
+            <a:r>
+              <a:rPr lang="nl-BE" dirty="0"/>
+              <a:t>op </a:t>
+            </a:r>
+            <a:r>
+              <a:rPr lang="nl-BE" dirty="0" smtClean="0"/>
+              <a:t>app, niet op website</a:t>
+            </a:r>
             <a:endParaRPr lang="nl-BE" dirty="0"/>
           </a:p>
         </p:txBody>
@@ -8076,19 +8124,30 @@
             <a:pPr lvl="1"/>
             <a:r>
               <a:rPr lang="nl-BE" dirty="0" smtClean="0"/>
-              <a:t>Soms wat nonchalant</a:t>
+              <a:t>Goede planning</a:t>
             </a:r>
           </a:p>
           <a:p>
             <a:pPr lvl="1"/>
             <a:r>
               <a:rPr lang="nl-BE" dirty="0" smtClean="0"/>
-              <a:t>Eind goed al goed</a:t>
+              <a:t>Communicatie</a:t>
             </a:r>
           </a:p>
           <a:p>
             <a:pPr lvl="1"/>
-            <a:endParaRPr lang="nl-BE" dirty="0"/>
+            <a:r>
+              <a:rPr lang="nl-BE" dirty="0" smtClean="0"/>
+              <a:t>Teamwork</a:t>
+            </a:r>
+          </a:p>
+          <a:p>
+            <a:pPr lvl="1"/>
+            <a:r>
+              <a:rPr lang="nl-BE" dirty="0" smtClean="0"/>
+              <a:t>Duidelijke rollenverdeling</a:t>
+            </a:r>
+            <a:endParaRPr lang="nl-BE" dirty="0" smtClean="0"/>
           </a:p>
         </p:txBody>
       </p:sp>

--- a/presentation/Project AppDev.pptx
+++ b/presentation/Project AppDev.pptx
@@ -7774,6 +7774,13 @@
   <p:clrMapOvr>
     <a:masterClrMapping/>
   </p:clrMapOvr>
+  <p:timing>
+    <p:tnLst>
+      <p:par>
+        <p:cTn id="1" dur="indefinite" restart="never" nodeType="tmRoot"/>
+      </p:par>
+    </p:tnLst>
+  </p:timing>
 </p:sld>
 </file>
 
@@ -7920,6 +7927,13 @@
   <p:clrMapOvr>
     <a:masterClrMapping/>
   </p:clrMapOvr>
+  <p:timing>
+    <p:tnLst>
+      <p:par>
+        <p:cTn id="1" dur="indefinite" restart="never" nodeType="tmRoot"/>
+      </p:par>
+    </p:tnLst>
+  </p:timing>
 </p:sld>
 </file>
 
@@ -8033,6 +8047,13 @@
   <p:clrMapOvr>
     <a:masterClrMapping/>
   </p:clrMapOvr>
+  <p:timing>
+    <p:tnLst>
+      <p:par>
+        <p:cTn id="1" dur="indefinite" restart="never" nodeType="tmRoot"/>
+      </p:par>
+    </p:tnLst>
+  </p:timing>
 </p:sld>
 </file>
 
@@ -8144,8 +8165,12 @@
           <a:p>
             <a:pPr lvl="1"/>
             <a:r>
-              <a:rPr lang="nl-BE" dirty="0" smtClean="0"/>
-              <a:t>Duidelijke rollenverdeling</a:t>
+              <a:rPr lang="nl-BE" smtClean="0"/>
+              <a:t>Duidelijke </a:t>
+            </a:r>
+            <a:r>
+              <a:rPr lang="nl-BE" smtClean="0"/>
+              <a:t>rolverdeling</a:t>
             </a:r>
             <a:endParaRPr lang="nl-BE" dirty="0" smtClean="0"/>
           </a:p>
@@ -8202,6 +8227,13 @@
   <p:clrMapOvr>
     <a:masterClrMapping/>
   </p:clrMapOvr>
+  <p:timing>
+    <p:tnLst>
+      <p:par>
+        <p:cTn id="1" dur="indefinite" restart="never" nodeType="tmRoot"/>
+      </p:par>
+    </p:tnLst>
+  </p:timing>
 </p:sld>
 </file>
 
@@ -8290,6 +8322,13 @@
   <p:clrMapOvr>
     <a:masterClrMapping/>
   </p:clrMapOvr>
+  <p:timing>
+    <p:tnLst>
+      <p:par>
+        <p:cTn id="1" dur="indefinite" restart="never" nodeType="tmRoot"/>
+      </p:par>
+    </p:tnLst>
+  </p:timing>
 </p:sld>
 </file>
 

--- a/presentation/Project AppDev.pptx
+++ b/presentation/Project AppDev.pptx
@@ -7,9 +7,14 @@
   <p:sldIdLst>
     <p:sldId id="256" r:id="rId2"/>
     <p:sldId id="257" r:id="rId3"/>
-    <p:sldId id="258" r:id="rId4"/>
-    <p:sldId id="259" r:id="rId5"/>
-    <p:sldId id="260" r:id="rId6"/>
+    <p:sldId id="261" r:id="rId4"/>
+    <p:sldId id="262" r:id="rId5"/>
+    <p:sldId id="263" r:id="rId6"/>
+    <p:sldId id="264" r:id="rId7"/>
+    <p:sldId id="265" r:id="rId8"/>
+    <p:sldId id="258" r:id="rId9"/>
+    <p:sldId id="259" r:id="rId10"/>
+    <p:sldId id="260" r:id="rId11"/>
   </p:sldIdLst>
   <p:sldSz cx="12192000" cy="6858000"/>
   <p:notesSz cx="6858000" cy="9144000"/>
@@ -7784,6 +7789,101 @@
 </p:sld>
 </file>
 
+<file path=ppt/slides/slide10.xml><?xml version="1.0" encoding="utf-8"?>
+<p:sld xmlns:a="http://schemas.openxmlformats.org/drawingml/2006/main" xmlns:r="http://schemas.openxmlformats.org/officeDocument/2006/relationships" xmlns:p="http://schemas.openxmlformats.org/presentationml/2006/main">
+  <p:cSld>
+    <p:spTree>
+      <p:nvGrpSpPr>
+        <p:cNvPr id="1" name=""/>
+        <p:cNvGrpSpPr/>
+        <p:nvPr/>
+      </p:nvGrpSpPr>
+      <p:grpSpPr>
+        <a:xfrm>
+          <a:off x="0" y="0"/>
+          <a:ext cx="0" cy="0"/>
+          <a:chOff x="0" y="0"/>
+          <a:chExt cx="0" cy="0"/>
+        </a:xfrm>
+      </p:grpSpPr>
+      <p:sp>
+        <p:nvSpPr>
+          <p:cNvPr id="2" name="Titel 1"/>
+          <p:cNvSpPr>
+            <a:spLocks noGrp="1"/>
+          </p:cNvSpPr>
+          <p:nvPr>
+            <p:ph type="title"/>
+          </p:nvPr>
+        </p:nvSpPr>
+        <p:spPr/>
+        <p:txBody>
+          <a:bodyPr/>
+          <a:lstStyle/>
+          <a:p>
+            <a:r>
+              <a:rPr lang="nl-BE" dirty="0" smtClean="0"/>
+              <a:t>Conclusie</a:t>
+            </a:r>
+            <a:endParaRPr lang="nl-BE" dirty="0"/>
+          </a:p>
+        </p:txBody>
+      </p:sp>
+      <p:sp>
+        <p:nvSpPr>
+          <p:cNvPr id="3" name="Tijdelijke aanduiding voor inhoud 2"/>
+          <p:cNvSpPr>
+            <a:spLocks noGrp="1"/>
+          </p:cNvSpPr>
+          <p:nvPr>
+            <p:ph idx="1"/>
+          </p:nvPr>
+        </p:nvSpPr>
+        <p:spPr/>
+        <p:txBody>
+          <a:bodyPr/>
+          <a:lstStyle/>
+          <a:p>
+            <a:r>
+              <a:rPr lang="nl-BE" dirty="0" smtClean="0"/>
+              <a:t>Ervaring</a:t>
+            </a:r>
+          </a:p>
+          <a:p>
+            <a:r>
+              <a:rPr lang="nl-BE" dirty="0" smtClean="0"/>
+              <a:t>Samenwerken in team</a:t>
+            </a:r>
+          </a:p>
+          <a:p>
+            <a:r>
+              <a:rPr lang="nl-BE" dirty="0" smtClean="0"/>
+              <a:t>Comfort zone</a:t>
+            </a:r>
+            <a:endParaRPr lang="nl-BE" dirty="0"/>
+          </a:p>
+        </p:txBody>
+      </p:sp>
+    </p:spTree>
+    <p:extLst>
+      <p:ext uri="{BB962C8B-B14F-4D97-AF65-F5344CB8AC3E}">
+        <p14:creationId xmlns:p14="http://schemas.microsoft.com/office/powerpoint/2010/main" val="1328376559"/>
+      </p:ext>
+    </p:extLst>
+  </p:cSld>
+  <p:clrMapOvr>
+    <a:masterClrMapping/>
+  </p:clrMapOvr>
+  <p:timing>
+    <p:tnLst>
+      <p:par>
+        <p:cTn id="1" dur="indefinite" restart="never" nodeType="tmRoot"/>
+      </p:par>
+    </p:tnLst>
+  </p:timing>
+</p:sld>
+</file>
+
 <file path=ppt/slides/slide2.xml><?xml version="1.0" encoding="utf-8"?>
 <p:sld xmlns:a="http://schemas.openxmlformats.org/drawingml/2006/main" xmlns:r="http://schemas.openxmlformats.org/officeDocument/2006/relationships" xmlns:p="http://schemas.openxmlformats.org/presentationml/2006/main">
   <p:cSld>
@@ -7867,9 +7967,10 @@
           <a:p>
             <a:pPr lvl="1"/>
             <a:r>
-              <a:rPr lang="nl-BE" dirty="0" smtClean="0"/>
+              <a:rPr lang="nl-BE" smtClean="0"/>
               <a:t>Noodnummers</a:t>
             </a:r>
+            <a:endParaRPr lang="nl-BE" dirty="0" smtClean="0"/>
           </a:p>
           <a:p>
             <a:pPr lvl="1"/>
@@ -7938,6 +8039,521 @@
 </file>
 
 <file path=ppt/slides/slide3.xml><?xml version="1.0" encoding="utf-8"?>
+<p:sld xmlns:a="http://schemas.openxmlformats.org/drawingml/2006/main" xmlns:r="http://schemas.openxmlformats.org/officeDocument/2006/relationships" xmlns:p="http://schemas.openxmlformats.org/presentationml/2006/main">
+  <p:cSld>
+    <p:spTree>
+      <p:nvGrpSpPr>
+        <p:cNvPr id="1" name=""/>
+        <p:cNvGrpSpPr/>
+        <p:nvPr/>
+      </p:nvGrpSpPr>
+      <p:grpSpPr>
+        <a:xfrm>
+          <a:off x="0" y="0"/>
+          <a:ext cx="0" cy="0"/>
+          <a:chOff x="0" y="0"/>
+          <a:chExt cx="0" cy="0"/>
+        </a:xfrm>
+      </p:grpSpPr>
+      <p:sp>
+        <p:nvSpPr>
+          <p:cNvPr id="2" name="Title 1"/>
+          <p:cNvSpPr>
+            <a:spLocks noGrp="1"/>
+          </p:cNvSpPr>
+          <p:nvPr>
+            <p:ph type="title"/>
+          </p:nvPr>
+        </p:nvSpPr>
+        <p:spPr/>
+        <p:txBody>
+          <a:bodyPr/>
+          <a:lstStyle/>
+          <a:p>
+            <a:r>
+              <a:rPr lang="nl-BE" dirty="0" smtClean="0"/>
+              <a:t>Hoofd pagina</a:t>
+            </a:r>
+            <a:endParaRPr lang="nl-BE" dirty="0"/>
+          </a:p>
+        </p:txBody>
+      </p:sp>
+      <p:sp>
+        <p:nvSpPr>
+          <p:cNvPr id="3" name="Content Placeholder 2"/>
+          <p:cNvSpPr>
+            <a:spLocks noGrp="1"/>
+          </p:cNvSpPr>
+          <p:nvPr>
+            <p:ph idx="1"/>
+          </p:nvPr>
+        </p:nvSpPr>
+        <p:spPr/>
+        <p:txBody>
+          <a:bodyPr/>
+          <a:lstStyle/>
+          <a:p>
+            <a:endParaRPr lang="nl-BE"/>
+          </a:p>
+        </p:txBody>
+      </p:sp>
+      <p:pic>
+        <p:nvPicPr>
+          <p:cNvPr id="4" name="Picture 3"/>
+          <p:cNvPicPr>
+            <a:picLocks noChangeAspect="1"/>
+          </p:cNvPicPr>
+          <p:nvPr/>
+        </p:nvPicPr>
+        <p:blipFill>
+          <a:blip r:embed="rId2"/>
+          <a:stretch>
+            <a:fillRect/>
+          </a:stretch>
+        </p:blipFill>
+        <p:spPr>
+          <a:xfrm>
+            <a:off x="2438400" y="1905000"/>
+            <a:ext cx="8365172" cy="4535491"/>
+          </a:xfrm>
+          <a:prstGeom prst="rect">
+            <a:avLst/>
+          </a:prstGeom>
+        </p:spPr>
+      </p:pic>
+    </p:spTree>
+    <p:extLst>
+      <p:ext uri="{BB962C8B-B14F-4D97-AF65-F5344CB8AC3E}">
+        <p14:creationId xmlns:p14="http://schemas.microsoft.com/office/powerpoint/2010/main" val="3365214511"/>
+      </p:ext>
+    </p:extLst>
+  </p:cSld>
+  <p:clrMapOvr>
+    <a:masterClrMapping/>
+  </p:clrMapOvr>
+  <p:timing>
+    <p:tnLst>
+      <p:par>
+        <p:cTn id="1" dur="indefinite" restart="never" nodeType="tmRoot"/>
+      </p:par>
+    </p:tnLst>
+  </p:timing>
+</p:sld>
+</file>
+
+<file path=ppt/slides/slide4.xml><?xml version="1.0" encoding="utf-8"?>
+<p:sld xmlns:a="http://schemas.openxmlformats.org/drawingml/2006/main" xmlns:r="http://schemas.openxmlformats.org/officeDocument/2006/relationships" xmlns:p="http://schemas.openxmlformats.org/presentationml/2006/main">
+  <p:cSld>
+    <p:spTree>
+      <p:nvGrpSpPr>
+        <p:cNvPr id="1" name=""/>
+        <p:cNvGrpSpPr/>
+        <p:nvPr/>
+      </p:nvGrpSpPr>
+      <p:grpSpPr>
+        <a:xfrm>
+          <a:off x="0" y="0"/>
+          <a:ext cx="0" cy="0"/>
+          <a:chOff x="0" y="0"/>
+          <a:chExt cx="0" cy="0"/>
+        </a:xfrm>
+      </p:grpSpPr>
+      <p:sp>
+        <p:nvSpPr>
+          <p:cNvPr id="2" name="Title 1"/>
+          <p:cNvSpPr>
+            <a:spLocks noGrp="1"/>
+          </p:cNvSpPr>
+          <p:nvPr>
+            <p:ph type="title"/>
+          </p:nvPr>
+        </p:nvSpPr>
+        <p:spPr/>
+        <p:txBody>
+          <a:bodyPr/>
+          <a:lstStyle/>
+          <a:p>
+            <a:r>
+              <a:rPr lang="nl-BE" dirty="0" smtClean="0"/>
+              <a:t>Evenementen pagina</a:t>
+            </a:r>
+            <a:endParaRPr lang="nl-BE" dirty="0"/>
+          </a:p>
+        </p:txBody>
+      </p:sp>
+      <p:sp>
+        <p:nvSpPr>
+          <p:cNvPr id="3" name="Content Placeholder 2"/>
+          <p:cNvSpPr>
+            <a:spLocks noGrp="1"/>
+          </p:cNvSpPr>
+          <p:nvPr>
+            <p:ph idx="1"/>
+          </p:nvPr>
+        </p:nvSpPr>
+        <p:spPr/>
+        <p:txBody>
+          <a:bodyPr/>
+          <a:lstStyle/>
+          <a:p>
+            <a:endParaRPr lang="nl-BE"/>
+          </a:p>
+        </p:txBody>
+      </p:sp>
+      <p:pic>
+        <p:nvPicPr>
+          <p:cNvPr id="4" name="Picture 3"/>
+          <p:cNvPicPr>
+            <a:picLocks noChangeAspect="1"/>
+          </p:cNvPicPr>
+          <p:nvPr/>
+        </p:nvPicPr>
+        <p:blipFill>
+          <a:blip r:embed="rId2"/>
+          <a:stretch>
+            <a:fillRect/>
+          </a:stretch>
+        </p:blipFill>
+        <p:spPr>
+          <a:xfrm>
+            <a:off x="1767840" y="1539829"/>
+            <a:ext cx="9157652" cy="4965164"/>
+          </a:xfrm>
+          <a:prstGeom prst="rect">
+            <a:avLst/>
+          </a:prstGeom>
+        </p:spPr>
+      </p:pic>
+    </p:spTree>
+    <p:extLst>
+      <p:ext uri="{BB962C8B-B14F-4D97-AF65-F5344CB8AC3E}">
+        <p14:creationId xmlns:p14="http://schemas.microsoft.com/office/powerpoint/2010/main" val="952592447"/>
+      </p:ext>
+    </p:extLst>
+  </p:cSld>
+  <p:clrMapOvr>
+    <a:masterClrMapping/>
+  </p:clrMapOvr>
+  <p:timing>
+    <p:tnLst>
+      <p:par>
+        <p:cTn id="1" dur="indefinite" restart="never" nodeType="tmRoot"/>
+      </p:par>
+    </p:tnLst>
+  </p:timing>
+</p:sld>
+</file>
+
+<file path=ppt/slides/slide5.xml><?xml version="1.0" encoding="utf-8"?>
+<p:sld xmlns:a="http://schemas.openxmlformats.org/drawingml/2006/main" xmlns:r="http://schemas.openxmlformats.org/officeDocument/2006/relationships" xmlns:p="http://schemas.openxmlformats.org/presentationml/2006/main">
+  <p:cSld>
+    <p:spTree>
+      <p:nvGrpSpPr>
+        <p:cNvPr id="1" name=""/>
+        <p:cNvGrpSpPr/>
+        <p:nvPr/>
+      </p:nvGrpSpPr>
+      <p:grpSpPr>
+        <a:xfrm>
+          <a:off x="0" y="0"/>
+          <a:ext cx="0" cy="0"/>
+          <a:chOff x="0" y="0"/>
+          <a:chExt cx="0" cy="0"/>
+        </a:xfrm>
+      </p:grpSpPr>
+      <p:sp>
+        <p:nvSpPr>
+          <p:cNvPr id="2" name="Title 1"/>
+          <p:cNvSpPr>
+            <a:spLocks noGrp="1"/>
+          </p:cNvSpPr>
+          <p:nvPr>
+            <p:ph type="title"/>
+          </p:nvPr>
+        </p:nvSpPr>
+        <p:spPr/>
+        <p:txBody>
+          <a:bodyPr/>
+          <a:lstStyle/>
+          <a:p>
+            <a:r>
+              <a:rPr lang="nl-BE" dirty="0" smtClean="0"/>
+              <a:t>Registratie pagina</a:t>
+            </a:r>
+            <a:endParaRPr lang="nl-BE" dirty="0"/>
+          </a:p>
+        </p:txBody>
+      </p:sp>
+      <p:sp>
+        <p:nvSpPr>
+          <p:cNvPr id="3" name="Content Placeholder 2"/>
+          <p:cNvSpPr>
+            <a:spLocks noGrp="1"/>
+          </p:cNvSpPr>
+          <p:nvPr>
+            <p:ph idx="1"/>
+          </p:nvPr>
+        </p:nvSpPr>
+        <p:spPr/>
+        <p:txBody>
+          <a:bodyPr/>
+          <a:lstStyle/>
+          <a:p>
+            <a:endParaRPr lang="nl-BE"/>
+          </a:p>
+        </p:txBody>
+      </p:sp>
+      <p:pic>
+        <p:nvPicPr>
+          <p:cNvPr id="4" name="Picture 3"/>
+          <p:cNvPicPr>
+            <a:picLocks noChangeAspect="1"/>
+          </p:cNvPicPr>
+          <p:nvPr/>
+        </p:nvPicPr>
+        <p:blipFill>
+          <a:blip r:embed="rId2"/>
+          <a:stretch>
+            <a:fillRect/>
+          </a:stretch>
+        </p:blipFill>
+        <p:spPr>
+          <a:xfrm>
+            <a:off x="1790824" y="1478280"/>
+            <a:ext cx="9364856" cy="5077508"/>
+          </a:xfrm>
+          <a:prstGeom prst="rect">
+            <a:avLst/>
+          </a:prstGeom>
+        </p:spPr>
+      </p:pic>
+    </p:spTree>
+    <p:extLst>
+      <p:ext uri="{BB962C8B-B14F-4D97-AF65-F5344CB8AC3E}">
+        <p14:creationId xmlns:p14="http://schemas.microsoft.com/office/powerpoint/2010/main" val="3865326590"/>
+      </p:ext>
+    </p:extLst>
+  </p:cSld>
+  <p:clrMapOvr>
+    <a:masterClrMapping/>
+  </p:clrMapOvr>
+  <p:timing>
+    <p:tnLst>
+      <p:par>
+        <p:cTn id="1" dur="indefinite" restart="never" nodeType="tmRoot"/>
+      </p:par>
+    </p:tnLst>
+  </p:timing>
+</p:sld>
+</file>
+
+<file path=ppt/slides/slide6.xml><?xml version="1.0" encoding="utf-8"?>
+<p:sld xmlns:a="http://schemas.openxmlformats.org/drawingml/2006/main" xmlns:r="http://schemas.openxmlformats.org/officeDocument/2006/relationships" xmlns:p="http://schemas.openxmlformats.org/presentationml/2006/main">
+  <p:cSld>
+    <p:spTree>
+      <p:nvGrpSpPr>
+        <p:cNvPr id="1" name=""/>
+        <p:cNvGrpSpPr/>
+        <p:nvPr/>
+      </p:nvGrpSpPr>
+      <p:grpSpPr>
+        <a:xfrm>
+          <a:off x="0" y="0"/>
+          <a:ext cx="0" cy="0"/>
+          <a:chOff x="0" y="0"/>
+          <a:chExt cx="0" cy="0"/>
+        </a:xfrm>
+      </p:grpSpPr>
+      <p:sp>
+        <p:nvSpPr>
+          <p:cNvPr id="2" name="Title 1"/>
+          <p:cNvSpPr>
+            <a:spLocks noGrp="1"/>
+          </p:cNvSpPr>
+          <p:nvPr>
+            <p:ph type="title"/>
+          </p:nvPr>
+        </p:nvSpPr>
+        <p:spPr/>
+        <p:txBody>
+          <a:bodyPr/>
+          <a:lstStyle/>
+          <a:p>
+            <a:r>
+              <a:rPr lang="nl-BE" dirty="0" smtClean="0"/>
+              <a:t>Instagram pagina</a:t>
+            </a:r>
+            <a:endParaRPr lang="nl-BE" dirty="0"/>
+          </a:p>
+        </p:txBody>
+      </p:sp>
+      <p:sp>
+        <p:nvSpPr>
+          <p:cNvPr id="3" name="Content Placeholder 2"/>
+          <p:cNvSpPr>
+            <a:spLocks noGrp="1"/>
+          </p:cNvSpPr>
+          <p:nvPr>
+            <p:ph idx="1"/>
+          </p:nvPr>
+        </p:nvSpPr>
+        <p:spPr/>
+        <p:txBody>
+          <a:bodyPr/>
+          <a:lstStyle/>
+          <a:p>
+            <a:endParaRPr lang="nl-BE"/>
+          </a:p>
+        </p:txBody>
+      </p:sp>
+      <p:pic>
+        <p:nvPicPr>
+          <p:cNvPr id="4" name="Picture 3"/>
+          <p:cNvPicPr>
+            <a:picLocks noChangeAspect="1"/>
+          </p:cNvPicPr>
+          <p:nvPr/>
+        </p:nvPicPr>
+        <p:blipFill>
+          <a:blip r:embed="rId2"/>
+          <a:stretch>
+            <a:fillRect/>
+          </a:stretch>
+        </p:blipFill>
+        <p:spPr>
+          <a:xfrm>
+            <a:off x="1584960" y="1474612"/>
+            <a:ext cx="9479279" cy="5139547"/>
+          </a:xfrm>
+          <a:prstGeom prst="rect">
+            <a:avLst/>
+          </a:prstGeom>
+        </p:spPr>
+      </p:pic>
+    </p:spTree>
+    <p:extLst>
+      <p:ext uri="{BB962C8B-B14F-4D97-AF65-F5344CB8AC3E}">
+        <p14:creationId xmlns:p14="http://schemas.microsoft.com/office/powerpoint/2010/main" val="1948880571"/>
+      </p:ext>
+    </p:extLst>
+  </p:cSld>
+  <p:clrMapOvr>
+    <a:masterClrMapping/>
+  </p:clrMapOvr>
+  <p:timing>
+    <p:tnLst>
+      <p:par>
+        <p:cTn id="1" dur="indefinite" restart="never" nodeType="tmRoot"/>
+      </p:par>
+    </p:tnLst>
+  </p:timing>
+</p:sld>
+</file>
+
+<file path=ppt/slides/slide7.xml><?xml version="1.0" encoding="utf-8"?>
+<p:sld xmlns:a="http://schemas.openxmlformats.org/drawingml/2006/main" xmlns:r="http://schemas.openxmlformats.org/officeDocument/2006/relationships" xmlns:p="http://schemas.openxmlformats.org/presentationml/2006/main">
+  <p:cSld>
+    <p:spTree>
+      <p:nvGrpSpPr>
+        <p:cNvPr id="1" name=""/>
+        <p:cNvGrpSpPr/>
+        <p:nvPr/>
+      </p:nvGrpSpPr>
+      <p:grpSpPr>
+        <a:xfrm>
+          <a:off x="0" y="0"/>
+          <a:ext cx="0" cy="0"/>
+          <a:chOff x="0" y="0"/>
+          <a:chExt cx="0" cy="0"/>
+        </a:xfrm>
+      </p:grpSpPr>
+      <p:sp>
+        <p:nvSpPr>
+          <p:cNvPr id="2" name="Title 1"/>
+          <p:cNvSpPr>
+            <a:spLocks noGrp="1"/>
+          </p:cNvSpPr>
+          <p:nvPr>
+            <p:ph type="title"/>
+          </p:nvPr>
+        </p:nvSpPr>
+        <p:spPr/>
+        <p:txBody>
+          <a:bodyPr/>
+          <a:lstStyle/>
+          <a:p>
+            <a:r>
+              <a:rPr lang="nl-BE" dirty="0" smtClean="0"/>
+              <a:t>Login</a:t>
+            </a:r>
+            <a:endParaRPr lang="nl-BE" dirty="0"/>
+          </a:p>
+        </p:txBody>
+      </p:sp>
+      <p:sp>
+        <p:nvSpPr>
+          <p:cNvPr id="3" name="Content Placeholder 2"/>
+          <p:cNvSpPr>
+            <a:spLocks noGrp="1"/>
+          </p:cNvSpPr>
+          <p:nvPr>
+            <p:ph idx="1"/>
+          </p:nvPr>
+        </p:nvSpPr>
+        <p:spPr/>
+        <p:txBody>
+          <a:bodyPr/>
+          <a:lstStyle/>
+          <a:p>
+            <a:endParaRPr lang="nl-BE"/>
+          </a:p>
+        </p:txBody>
+      </p:sp>
+      <p:pic>
+        <p:nvPicPr>
+          <p:cNvPr id="4" name="Picture 3"/>
+          <p:cNvPicPr>
+            <a:picLocks noChangeAspect="1"/>
+          </p:cNvPicPr>
+          <p:nvPr/>
+        </p:nvPicPr>
+        <p:blipFill>
+          <a:blip r:embed="rId2"/>
+          <a:stretch>
+            <a:fillRect/>
+          </a:stretch>
+        </p:blipFill>
+        <p:spPr>
+          <a:xfrm>
+            <a:off x="1920240" y="1551792"/>
+            <a:ext cx="9113520" cy="4941237"/>
+          </a:xfrm>
+          <a:prstGeom prst="rect">
+            <a:avLst/>
+          </a:prstGeom>
+        </p:spPr>
+      </p:pic>
+    </p:spTree>
+    <p:extLst>
+      <p:ext uri="{BB962C8B-B14F-4D97-AF65-F5344CB8AC3E}">
+        <p14:creationId xmlns:p14="http://schemas.microsoft.com/office/powerpoint/2010/main" val="1681297895"/>
+      </p:ext>
+    </p:extLst>
+  </p:cSld>
+  <p:clrMapOvr>
+    <a:masterClrMapping/>
+  </p:clrMapOvr>
+  <p:timing>
+    <p:tnLst>
+      <p:par>
+        <p:cTn id="1" dur="indefinite" restart="never" nodeType="tmRoot"/>
+      </p:par>
+    </p:tnLst>
+  </p:timing>
+</p:sld>
+</file>
+
+<file path=ppt/slides/slide8.xml><?xml version="1.0" encoding="utf-8"?>
 <p:sld xmlns:a="http://schemas.openxmlformats.org/drawingml/2006/main" xmlns:r="http://schemas.openxmlformats.org/officeDocument/2006/relationships" xmlns:p="http://schemas.openxmlformats.org/presentationml/2006/main">
   <p:cSld>
     <p:spTree>
@@ -8057,7 +8673,7 @@
 </p:sld>
 </file>
 
-<file path=ppt/slides/slide4.xml><?xml version="1.0" encoding="utf-8"?>
+<file path=ppt/slides/slide9.xml><?xml version="1.0" encoding="utf-8"?>
 <p:sld xmlns:a="http://schemas.openxmlformats.org/drawingml/2006/main" xmlns:r="http://schemas.openxmlformats.org/officeDocument/2006/relationships" xmlns:p="http://schemas.openxmlformats.org/presentationml/2006/main">
   <p:cSld>
     <p:spTree>
@@ -8166,11 +8782,7 @@
             <a:pPr lvl="1"/>
             <a:r>
               <a:rPr lang="nl-BE" smtClean="0"/>
-              <a:t>Duidelijke </a:t>
-            </a:r>
-            <a:r>
-              <a:rPr lang="nl-BE" smtClean="0"/>
-              <a:t>rolverdeling</a:t>
+              <a:t>Duidelijke rolverdeling</a:t>
             </a:r>
             <a:endParaRPr lang="nl-BE" dirty="0" smtClean="0"/>
           </a:p>
@@ -8221,101 +8833,6 @@
     <p:extLst>
       <p:ext uri="{BB962C8B-B14F-4D97-AF65-F5344CB8AC3E}">
         <p14:creationId xmlns:p14="http://schemas.microsoft.com/office/powerpoint/2010/main" val="2560865624"/>
-      </p:ext>
-    </p:extLst>
-  </p:cSld>
-  <p:clrMapOvr>
-    <a:masterClrMapping/>
-  </p:clrMapOvr>
-  <p:timing>
-    <p:tnLst>
-      <p:par>
-        <p:cTn id="1" dur="indefinite" restart="never" nodeType="tmRoot"/>
-      </p:par>
-    </p:tnLst>
-  </p:timing>
-</p:sld>
-</file>
-
-<file path=ppt/slides/slide5.xml><?xml version="1.0" encoding="utf-8"?>
-<p:sld xmlns:a="http://schemas.openxmlformats.org/drawingml/2006/main" xmlns:r="http://schemas.openxmlformats.org/officeDocument/2006/relationships" xmlns:p="http://schemas.openxmlformats.org/presentationml/2006/main">
-  <p:cSld>
-    <p:spTree>
-      <p:nvGrpSpPr>
-        <p:cNvPr id="1" name=""/>
-        <p:cNvGrpSpPr/>
-        <p:nvPr/>
-      </p:nvGrpSpPr>
-      <p:grpSpPr>
-        <a:xfrm>
-          <a:off x="0" y="0"/>
-          <a:ext cx="0" cy="0"/>
-          <a:chOff x="0" y="0"/>
-          <a:chExt cx="0" cy="0"/>
-        </a:xfrm>
-      </p:grpSpPr>
-      <p:sp>
-        <p:nvSpPr>
-          <p:cNvPr id="2" name="Titel 1"/>
-          <p:cNvSpPr>
-            <a:spLocks noGrp="1"/>
-          </p:cNvSpPr>
-          <p:nvPr>
-            <p:ph type="title"/>
-          </p:nvPr>
-        </p:nvSpPr>
-        <p:spPr/>
-        <p:txBody>
-          <a:bodyPr/>
-          <a:lstStyle/>
-          <a:p>
-            <a:r>
-              <a:rPr lang="nl-BE" dirty="0" smtClean="0"/>
-              <a:t>Conclusie</a:t>
-            </a:r>
-            <a:endParaRPr lang="nl-BE" dirty="0"/>
-          </a:p>
-        </p:txBody>
-      </p:sp>
-      <p:sp>
-        <p:nvSpPr>
-          <p:cNvPr id="3" name="Tijdelijke aanduiding voor inhoud 2"/>
-          <p:cNvSpPr>
-            <a:spLocks noGrp="1"/>
-          </p:cNvSpPr>
-          <p:nvPr>
-            <p:ph idx="1"/>
-          </p:nvPr>
-        </p:nvSpPr>
-        <p:spPr/>
-        <p:txBody>
-          <a:bodyPr/>
-          <a:lstStyle/>
-          <a:p>
-            <a:r>
-              <a:rPr lang="nl-BE" dirty="0" smtClean="0"/>
-              <a:t>Ervaring</a:t>
-            </a:r>
-          </a:p>
-          <a:p>
-            <a:r>
-              <a:rPr lang="nl-BE" dirty="0" smtClean="0"/>
-              <a:t>Samenwerken in team</a:t>
-            </a:r>
-          </a:p>
-          <a:p>
-            <a:r>
-              <a:rPr lang="nl-BE" dirty="0" smtClean="0"/>
-              <a:t>Comfort zone</a:t>
-            </a:r>
-            <a:endParaRPr lang="nl-BE" dirty="0"/>
-          </a:p>
-        </p:txBody>
-      </p:sp>
-    </p:spTree>
-    <p:extLst>
-      <p:ext uri="{BB962C8B-B14F-4D97-AF65-F5344CB8AC3E}">
-        <p14:creationId xmlns:p14="http://schemas.microsoft.com/office/powerpoint/2010/main" val="1328376559"/>
       </p:ext>
     </p:extLst>
   </p:cSld>

--- a/presentation/Project AppDev.pptx
+++ b/presentation/Project AppDev.pptx
@@ -6,15 +6,26 @@
   </p:sldMasterIdLst>
   <p:sldIdLst>
     <p:sldId id="256" r:id="rId2"/>
-    <p:sldId id="257" r:id="rId3"/>
-    <p:sldId id="261" r:id="rId4"/>
-    <p:sldId id="262" r:id="rId5"/>
-    <p:sldId id="263" r:id="rId6"/>
-    <p:sldId id="264" r:id="rId7"/>
-    <p:sldId id="265" r:id="rId8"/>
-    <p:sldId id="258" r:id="rId9"/>
-    <p:sldId id="259" r:id="rId10"/>
-    <p:sldId id="260" r:id="rId11"/>
+    <p:sldId id="272" r:id="rId3"/>
+    <p:sldId id="257" r:id="rId4"/>
+    <p:sldId id="273" r:id="rId5"/>
+    <p:sldId id="271" r:id="rId6"/>
+    <p:sldId id="274" r:id="rId7"/>
+    <p:sldId id="261" r:id="rId8"/>
+    <p:sldId id="262" r:id="rId9"/>
+    <p:sldId id="263" r:id="rId10"/>
+    <p:sldId id="264" r:id="rId11"/>
+    <p:sldId id="265" r:id="rId12"/>
+    <p:sldId id="266" r:id="rId13"/>
+    <p:sldId id="267" r:id="rId14"/>
+    <p:sldId id="268" r:id="rId15"/>
+    <p:sldId id="269" r:id="rId16"/>
+    <p:sldId id="275" r:id="rId17"/>
+    <p:sldId id="258" r:id="rId18"/>
+    <p:sldId id="276" r:id="rId19"/>
+    <p:sldId id="259" r:id="rId20"/>
+    <p:sldId id="260" r:id="rId21"/>
+    <p:sldId id="277" r:id="rId22"/>
   </p:sldIdLst>
   <p:sldSz cx="12192000" cy="6858000"/>
   <p:notesSz cx="6858000" cy="9144000"/>
@@ -7808,564 +7819,6 @@
       </p:grpSpPr>
       <p:sp>
         <p:nvSpPr>
-          <p:cNvPr id="2" name="Titel 1"/>
-          <p:cNvSpPr>
-            <a:spLocks noGrp="1"/>
-          </p:cNvSpPr>
-          <p:nvPr>
-            <p:ph type="title"/>
-          </p:nvPr>
-        </p:nvSpPr>
-        <p:spPr/>
-        <p:txBody>
-          <a:bodyPr/>
-          <a:lstStyle/>
-          <a:p>
-            <a:r>
-              <a:rPr lang="nl-BE" dirty="0" smtClean="0"/>
-              <a:t>Conclusie</a:t>
-            </a:r>
-            <a:endParaRPr lang="nl-BE" dirty="0"/>
-          </a:p>
-        </p:txBody>
-      </p:sp>
-      <p:sp>
-        <p:nvSpPr>
-          <p:cNvPr id="3" name="Tijdelijke aanduiding voor inhoud 2"/>
-          <p:cNvSpPr>
-            <a:spLocks noGrp="1"/>
-          </p:cNvSpPr>
-          <p:nvPr>
-            <p:ph idx="1"/>
-          </p:nvPr>
-        </p:nvSpPr>
-        <p:spPr/>
-        <p:txBody>
-          <a:bodyPr/>
-          <a:lstStyle/>
-          <a:p>
-            <a:r>
-              <a:rPr lang="nl-BE" dirty="0" smtClean="0"/>
-              <a:t>Ervaring</a:t>
-            </a:r>
-          </a:p>
-          <a:p>
-            <a:r>
-              <a:rPr lang="nl-BE" dirty="0" smtClean="0"/>
-              <a:t>Samenwerken in team</a:t>
-            </a:r>
-          </a:p>
-          <a:p>
-            <a:r>
-              <a:rPr lang="nl-BE" dirty="0" smtClean="0"/>
-              <a:t>Comfort zone</a:t>
-            </a:r>
-            <a:endParaRPr lang="nl-BE" dirty="0"/>
-          </a:p>
-        </p:txBody>
-      </p:sp>
-    </p:spTree>
-    <p:extLst>
-      <p:ext uri="{BB962C8B-B14F-4D97-AF65-F5344CB8AC3E}">
-        <p14:creationId xmlns:p14="http://schemas.microsoft.com/office/powerpoint/2010/main" val="1328376559"/>
-      </p:ext>
-    </p:extLst>
-  </p:cSld>
-  <p:clrMapOvr>
-    <a:masterClrMapping/>
-  </p:clrMapOvr>
-  <p:timing>
-    <p:tnLst>
-      <p:par>
-        <p:cTn id="1" dur="indefinite" restart="never" nodeType="tmRoot"/>
-      </p:par>
-    </p:tnLst>
-  </p:timing>
-</p:sld>
-</file>
-
-<file path=ppt/slides/slide2.xml><?xml version="1.0" encoding="utf-8"?>
-<p:sld xmlns:a="http://schemas.openxmlformats.org/drawingml/2006/main" xmlns:r="http://schemas.openxmlformats.org/officeDocument/2006/relationships" xmlns:p="http://schemas.openxmlformats.org/presentationml/2006/main">
-  <p:cSld>
-    <p:spTree>
-      <p:nvGrpSpPr>
-        <p:cNvPr id="1" name=""/>
-        <p:cNvGrpSpPr/>
-        <p:nvPr/>
-      </p:nvGrpSpPr>
-      <p:grpSpPr>
-        <a:xfrm>
-          <a:off x="0" y="0"/>
-          <a:ext cx="0" cy="0"/>
-          <a:chOff x="0" y="0"/>
-          <a:chExt cx="0" cy="0"/>
-        </a:xfrm>
-      </p:grpSpPr>
-      <p:sp>
-        <p:nvSpPr>
-          <p:cNvPr id="2" name="Titel 1"/>
-          <p:cNvSpPr>
-            <a:spLocks noGrp="1"/>
-          </p:cNvSpPr>
-          <p:nvPr>
-            <p:ph type="title"/>
-          </p:nvPr>
-        </p:nvSpPr>
-        <p:spPr/>
-        <p:txBody>
-          <a:bodyPr/>
-          <a:lstStyle/>
-          <a:p>
-            <a:r>
-              <a:rPr lang="nl-BE" dirty="0" smtClean="0"/>
-              <a:t>Intro</a:t>
-            </a:r>
-            <a:endParaRPr lang="nl-BE" dirty="0"/>
-          </a:p>
-        </p:txBody>
-      </p:sp>
-      <p:sp>
-        <p:nvSpPr>
-          <p:cNvPr id="3" name="Tijdelijke aanduiding voor inhoud 2"/>
-          <p:cNvSpPr>
-            <a:spLocks noGrp="1"/>
-          </p:cNvSpPr>
-          <p:nvPr>
-            <p:ph idx="1"/>
-          </p:nvPr>
-        </p:nvSpPr>
-        <p:spPr/>
-        <p:txBody>
-          <a:bodyPr/>
-          <a:lstStyle/>
-          <a:p>
-            <a:r>
-              <a:rPr lang="nl-BE" dirty="0" smtClean="0"/>
-              <a:t>Domein: Alcohol- en drugspreventie</a:t>
-            </a:r>
-          </a:p>
-          <a:p>
-            <a:r>
-              <a:rPr lang="nl-BE" dirty="0" smtClean="0"/>
-              <a:t>Functies:</a:t>
-            </a:r>
-          </a:p>
-          <a:p>
-            <a:pPr lvl="1"/>
-            <a:r>
-              <a:rPr lang="nl-BE" dirty="0" smtClean="0"/>
-              <a:t>Bob systeem</a:t>
-            </a:r>
-          </a:p>
-          <a:p>
-            <a:pPr lvl="1"/>
-            <a:r>
-              <a:rPr lang="nl-BE" dirty="0" smtClean="0"/>
-              <a:t>Tips</a:t>
-            </a:r>
-          </a:p>
-          <a:p>
-            <a:pPr lvl="1"/>
-            <a:r>
-              <a:rPr lang="nl-BE" smtClean="0"/>
-              <a:t>Noodnummers</a:t>
-            </a:r>
-            <a:endParaRPr lang="nl-BE" dirty="0" smtClean="0"/>
-          </a:p>
-          <a:p>
-            <a:pPr lvl="1"/>
-            <a:r>
-              <a:rPr lang="nl-BE" dirty="0" smtClean="0"/>
-              <a:t>Nieuws</a:t>
-            </a:r>
-          </a:p>
-          <a:p>
-            <a:pPr lvl="1"/>
-            <a:r>
-              <a:rPr lang="nl-BE" dirty="0" smtClean="0"/>
-              <a:t>Evenementen</a:t>
-            </a:r>
-          </a:p>
-          <a:p>
-            <a:pPr lvl="1"/>
-            <a:r>
-              <a:rPr lang="nl-BE" dirty="0" smtClean="0"/>
-              <a:t>Reviews</a:t>
-            </a:r>
-          </a:p>
-          <a:p>
-            <a:pPr lvl="1"/>
-            <a:r>
-              <a:rPr lang="nl-BE" dirty="0" smtClean="0"/>
-              <a:t>Richtlijnen</a:t>
-            </a:r>
-            <a:endParaRPr lang="nl-BE" dirty="0"/>
-          </a:p>
-          <a:p>
-            <a:r>
-              <a:rPr lang="nl-BE" dirty="0" smtClean="0"/>
-              <a:t>Gebaseerd </a:t>
-            </a:r>
-            <a:r>
-              <a:rPr lang="nl-BE" dirty="0"/>
-              <a:t>op </a:t>
-            </a:r>
-            <a:r>
-              <a:rPr lang="nl-BE" dirty="0" smtClean="0"/>
-              <a:t>app, niet op website</a:t>
-            </a:r>
-            <a:endParaRPr lang="nl-BE" dirty="0"/>
-          </a:p>
-        </p:txBody>
-      </p:sp>
-    </p:spTree>
-    <p:extLst>
-      <p:ext uri="{BB962C8B-B14F-4D97-AF65-F5344CB8AC3E}">
-        <p14:creationId xmlns:p14="http://schemas.microsoft.com/office/powerpoint/2010/main" val="2843139526"/>
-      </p:ext>
-    </p:extLst>
-  </p:cSld>
-  <p:clrMapOvr>
-    <a:masterClrMapping/>
-  </p:clrMapOvr>
-  <p:timing>
-    <p:tnLst>
-      <p:par>
-        <p:cTn id="1" dur="indefinite" restart="never" nodeType="tmRoot"/>
-      </p:par>
-    </p:tnLst>
-  </p:timing>
-</p:sld>
-</file>
-
-<file path=ppt/slides/slide3.xml><?xml version="1.0" encoding="utf-8"?>
-<p:sld xmlns:a="http://schemas.openxmlformats.org/drawingml/2006/main" xmlns:r="http://schemas.openxmlformats.org/officeDocument/2006/relationships" xmlns:p="http://schemas.openxmlformats.org/presentationml/2006/main">
-  <p:cSld>
-    <p:spTree>
-      <p:nvGrpSpPr>
-        <p:cNvPr id="1" name=""/>
-        <p:cNvGrpSpPr/>
-        <p:nvPr/>
-      </p:nvGrpSpPr>
-      <p:grpSpPr>
-        <a:xfrm>
-          <a:off x="0" y="0"/>
-          <a:ext cx="0" cy="0"/>
-          <a:chOff x="0" y="0"/>
-          <a:chExt cx="0" cy="0"/>
-        </a:xfrm>
-      </p:grpSpPr>
-      <p:sp>
-        <p:nvSpPr>
-          <p:cNvPr id="2" name="Title 1"/>
-          <p:cNvSpPr>
-            <a:spLocks noGrp="1"/>
-          </p:cNvSpPr>
-          <p:nvPr>
-            <p:ph type="title"/>
-          </p:nvPr>
-        </p:nvSpPr>
-        <p:spPr/>
-        <p:txBody>
-          <a:bodyPr/>
-          <a:lstStyle/>
-          <a:p>
-            <a:r>
-              <a:rPr lang="nl-BE" dirty="0" smtClean="0"/>
-              <a:t>Hoofd pagina</a:t>
-            </a:r>
-            <a:endParaRPr lang="nl-BE" dirty="0"/>
-          </a:p>
-        </p:txBody>
-      </p:sp>
-      <p:sp>
-        <p:nvSpPr>
-          <p:cNvPr id="3" name="Content Placeholder 2"/>
-          <p:cNvSpPr>
-            <a:spLocks noGrp="1"/>
-          </p:cNvSpPr>
-          <p:nvPr>
-            <p:ph idx="1"/>
-          </p:nvPr>
-        </p:nvSpPr>
-        <p:spPr/>
-        <p:txBody>
-          <a:bodyPr/>
-          <a:lstStyle/>
-          <a:p>
-            <a:endParaRPr lang="nl-BE"/>
-          </a:p>
-        </p:txBody>
-      </p:sp>
-      <p:pic>
-        <p:nvPicPr>
-          <p:cNvPr id="4" name="Picture 3"/>
-          <p:cNvPicPr>
-            <a:picLocks noChangeAspect="1"/>
-          </p:cNvPicPr>
-          <p:nvPr/>
-        </p:nvPicPr>
-        <p:blipFill>
-          <a:blip r:embed="rId2"/>
-          <a:stretch>
-            <a:fillRect/>
-          </a:stretch>
-        </p:blipFill>
-        <p:spPr>
-          <a:xfrm>
-            <a:off x="2438400" y="1905000"/>
-            <a:ext cx="8365172" cy="4535491"/>
-          </a:xfrm>
-          <a:prstGeom prst="rect">
-            <a:avLst/>
-          </a:prstGeom>
-        </p:spPr>
-      </p:pic>
-    </p:spTree>
-    <p:extLst>
-      <p:ext uri="{BB962C8B-B14F-4D97-AF65-F5344CB8AC3E}">
-        <p14:creationId xmlns:p14="http://schemas.microsoft.com/office/powerpoint/2010/main" val="3365214511"/>
-      </p:ext>
-    </p:extLst>
-  </p:cSld>
-  <p:clrMapOvr>
-    <a:masterClrMapping/>
-  </p:clrMapOvr>
-  <p:timing>
-    <p:tnLst>
-      <p:par>
-        <p:cTn id="1" dur="indefinite" restart="never" nodeType="tmRoot"/>
-      </p:par>
-    </p:tnLst>
-  </p:timing>
-</p:sld>
-</file>
-
-<file path=ppt/slides/slide4.xml><?xml version="1.0" encoding="utf-8"?>
-<p:sld xmlns:a="http://schemas.openxmlformats.org/drawingml/2006/main" xmlns:r="http://schemas.openxmlformats.org/officeDocument/2006/relationships" xmlns:p="http://schemas.openxmlformats.org/presentationml/2006/main">
-  <p:cSld>
-    <p:spTree>
-      <p:nvGrpSpPr>
-        <p:cNvPr id="1" name=""/>
-        <p:cNvGrpSpPr/>
-        <p:nvPr/>
-      </p:nvGrpSpPr>
-      <p:grpSpPr>
-        <a:xfrm>
-          <a:off x="0" y="0"/>
-          <a:ext cx="0" cy="0"/>
-          <a:chOff x="0" y="0"/>
-          <a:chExt cx="0" cy="0"/>
-        </a:xfrm>
-      </p:grpSpPr>
-      <p:sp>
-        <p:nvSpPr>
-          <p:cNvPr id="2" name="Title 1"/>
-          <p:cNvSpPr>
-            <a:spLocks noGrp="1"/>
-          </p:cNvSpPr>
-          <p:nvPr>
-            <p:ph type="title"/>
-          </p:nvPr>
-        </p:nvSpPr>
-        <p:spPr/>
-        <p:txBody>
-          <a:bodyPr/>
-          <a:lstStyle/>
-          <a:p>
-            <a:r>
-              <a:rPr lang="nl-BE" dirty="0" smtClean="0"/>
-              <a:t>Evenementen pagina</a:t>
-            </a:r>
-            <a:endParaRPr lang="nl-BE" dirty="0"/>
-          </a:p>
-        </p:txBody>
-      </p:sp>
-      <p:sp>
-        <p:nvSpPr>
-          <p:cNvPr id="3" name="Content Placeholder 2"/>
-          <p:cNvSpPr>
-            <a:spLocks noGrp="1"/>
-          </p:cNvSpPr>
-          <p:nvPr>
-            <p:ph idx="1"/>
-          </p:nvPr>
-        </p:nvSpPr>
-        <p:spPr/>
-        <p:txBody>
-          <a:bodyPr/>
-          <a:lstStyle/>
-          <a:p>
-            <a:endParaRPr lang="nl-BE"/>
-          </a:p>
-        </p:txBody>
-      </p:sp>
-      <p:pic>
-        <p:nvPicPr>
-          <p:cNvPr id="4" name="Picture 3"/>
-          <p:cNvPicPr>
-            <a:picLocks noChangeAspect="1"/>
-          </p:cNvPicPr>
-          <p:nvPr/>
-        </p:nvPicPr>
-        <p:blipFill>
-          <a:blip r:embed="rId2"/>
-          <a:stretch>
-            <a:fillRect/>
-          </a:stretch>
-        </p:blipFill>
-        <p:spPr>
-          <a:xfrm>
-            <a:off x="1767840" y="1539829"/>
-            <a:ext cx="9157652" cy="4965164"/>
-          </a:xfrm>
-          <a:prstGeom prst="rect">
-            <a:avLst/>
-          </a:prstGeom>
-        </p:spPr>
-      </p:pic>
-    </p:spTree>
-    <p:extLst>
-      <p:ext uri="{BB962C8B-B14F-4D97-AF65-F5344CB8AC3E}">
-        <p14:creationId xmlns:p14="http://schemas.microsoft.com/office/powerpoint/2010/main" val="952592447"/>
-      </p:ext>
-    </p:extLst>
-  </p:cSld>
-  <p:clrMapOvr>
-    <a:masterClrMapping/>
-  </p:clrMapOvr>
-  <p:timing>
-    <p:tnLst>
-      <p:par>
-        <p:cTn id="1" dur="indefinite" restart="never" nodeType="tmRoot"/>
-      </p:par>
-    </p:tnLst>
-  </p:timing>
-</p:sld>
-</file>
-
-<file path=ppt/slides/slide5.xml><?xml version="1.0" encoding="utf-8"?>
-<p:sld xmlns:a="http://schemas.openxmlformats.org/drawingml/2006/main" xmlns:r="http://schemas.openxmlformats.org/officeDocument/2006/relationships" xmlns:p="http://schemas.openxmlformats.org/presentationml/2006/main">
-  <p:cSld>
-    <p:spTree>
-      <p:nvGrpSpPr>
-        <p:cNvPr id="1" name=""/>
-        <p:cNvGrpSpPr/>
-        <p:nvPr/>
-      </p:nvGrpSpPr>
-      <p:grpSpPr>
-        <a:xfrm>
-          <a:off x="0" y="0"/>
-          <a:ext cx="0" cy="0"/>
-          <a:chOff x="0" y="0"/>
-          <a:chExt cx="0" cy="0"/>
-        </a:xfrm>
-      </p:grpSpPr>
-      <p:sp>
-        <p:nvSpPr>
-          <p:cNvPr id="2" name="Title 1"/>
-          <p:cNvSpPr>
-            <a:spLocks noGrp="1"/>
-          </p:cNvSpPr>
-          <p:nvPr>
-            <p:ph type="title"/>
-          </p:nvPr>
-        </p:nvSpPr>
-        <p:spPr/>
-        <p:txBody>
-          <a:bodyPr/>
-          <a:lstStyle/>
-          <a:p>
-            <a:r>
-              <a:rPr lang="nl-BE" dirty="0" smtClean="0"/>
-              <a:t>Registratie pagina</a:t>
-            </a:r>
-            <a:endParaRPr lang="nl-BE" dirty="0"/>
-          </a:p>
-        </p:txBody>
-      </p:sp>
-      <p:sp>
-        <p:nvSpPr>
-          <p:cNvPr id="3" name="Content Placeholder 2"/>
-          <p:cNvSpPr>
-            <a:spLocks noGrp="1"/>
-          </p:cNvSpPr>
-          <p:nvPr>
-            <p:ph idx="1"/>
-          </p:nvPr>
-        </p:nvSpPr>
-        <p:spPr/>
-        <p:txBody>
-          <a:bodyPr/>
-          <a:lstStyle/>
-          <a:p>
-            <a:endParaRPr lang="nl-BE"/>
-          </a:p>
-        </p:txBody>
-      </p:sp>
-      <p:pic>
-        <p:nvPicPr>
-          <p:cNvPr id="4" name="Picture 3"/>
-          <p:cNvPicPr>
-            <a:picLocks noChangeAspect="1"/>
-          </p:cNvPicPr>
-          <p:nvPr/>
-        </p:nvPicPr>
-        <p:blipFill>
-          <a:blip r:embed="rId2"/>
-          <a:stretch>
-            <a:fillRect/>
-          </a:stretch>
-        </p:blipFill>
-        <p:spPr>
-          <a:xfrm>
-            <a:off x="1790824" y="1478280"/>
-            <a:ext cx="9364856" cy="5077508"/>
-          </a:xfrm>
-          <a:prstGeom prst="rect">
-            <a:avLst/>
-          </a:prstGeom>
-        </p:spPr>
-      </p:pic>
-    </p:spTree>
-    <p:extLst>
-      <p:ext uri="{BB962C8B-B14F-4D97-AF65-F5344CB8AC3E}">
-        <p14:creationId xmlns:p14="http://schemas.microsoft.com/office/powerpoint/2010/main" val="3865326590"/>
-      </p:ext>
-    </p:extLst>
-  </p:cSld>
-  <p:clrMapOvr>
-    <a:masterClrMapping/>
-  </p:clrMapOvr>
-  <p:timing>
-    <p:tnLst>
-      <p:par>
-        <p:cTn id="1" dur="indefinite" restart="never" nodeType="tmRoot"/>
-      </p:par>
-    </p:tnLst>
-  </p:timing>
-</p:sld>
-</file>
-
-<file path=ppt/slides/slide6.xml><?xml version="1.0" encoding="utf-8"?>
-<p:sld xmlns:a="http://schemas.openxmlformats.org/drawingml/2006/main" xmlns:r="http://schemas.openxmlformats.org/officeDocument/2006/relationships" xmlns:p="http://schemas.openxmlformats.org/presentationml/2006/main">
-  <p:cSld>
-    <p:spTree>
-      <p:nvGrpSpPr>
-        <p:cNvPr id="1" name=""/>
-        <p:cNvGrpSpPr/>
-        <p:nvPr/>
-      </p:nvGrpSpPr>
-      <p:grpSpPr>
-        <a:xfrm>
-          <a:off x="0" y="0"/>
-          <a:ext cx="0" cy="0"/>
-          <a:chOff x="0" y="0"/>
-          <a:chExt cx="0" cy="0"/>
-        </a:xfrm>
-      </p:grpSpPr>
-      <p:sp>
-        <p:nvSpPr>
           <p:cNvPr id="2" name="Title 1"/>
           <p:cNvSpPr>
             <a:spLocks noGrp="1"/>
@@ -8450,7 +7903,7 @@
 </p:sld>
 </file>
 
-<file path=ppt/slides/slide7.xml><?xml version="1.0" encoding="utf-8"?>
+<file path=ppt/slides/slide11.xml><?xml version="1.0" encoding="utf-8"?>
 <p:sld xmlns:a="http://schemas.openxmlformats.org/drawingml/2006/main" xmlns:r="http://schemas.openxmlformats.org/officeDocument/2006/relationships" xmlns:p="http://schemas.openxmlformats.org/presentationml/2006/main">
   <p:cSld>
     <p:spTree>
@@ -8553,7 +8006,467 @@
 </p:sld>
 </file>
 
-<file path=ppt/slides/slide8.xml><?xml version="1.0" encoding="utf-8"?>
+<file path=ppt/slides/slide12.xml><?xml version="1.0" encoding="utf-8"?>
+<p:sld xmlns:a="http://schemas.openxmlformats.org/drawingml/2006/main" xmlns:r="http://schemas.openxmlformats.org/officeDocument/2006/relationships" xmlns:p="http://schemas.openxmlformats.org/presentationml/2006/main">
+  <p:cSld>
+    <p:spTree>
+      <p:nvGrpSpPr>
+        <p:cNvPr id="1" name=""/>
+        <p:cNvGrpSpPr/>
+        <p:nvPr/>
+      </p:nvGrpSpPr>
+      <p:grpSpPr>
+        <a:xfrm>
+          <a:off x="0" y="0"/>
+          <a:ext cx="0" cy="0"/>
+          <a:chOff x="0" y="0"/>
+          <a:chExt cx="0" cy="0"/>
+        </a:xfrm>
+      </p:grpSpPr>
+      <p:sp>
+        <p:nvSpPr>
+          <p:cNvPr id="2" name="Title 1"/>
+          <p:cNvSpPr>
+            <a:spLocks noGrp="1"/>
+          </p:cNvSpPr>
+          <p:nvPr>
+            <p:ph type="title"/>
+          </p:nvPr>
+        </p:nvSpPr>
+        <p:spPr/>
+        <p:txBody>
+          <a:bodyPr/>
+          <a:lstStyle/>
+          <a:p>
+            <a:r>
+              <a:rPr lang="nl-BE" dirty="0" smtClean="0"/>
+              <a:t>Profiel instellingen</a:t>
+            </a:r>
+            <a:endParaRPr lang="nl-BE" dirty="0"/>
+          </a:p>
+        </p:txBody>
+      </p:sp>
+      <p:sp>
+        <p:nvSpPr>
+          <p:cNvPr id="3" name="Content Placeholder 2"/>
+          <p:cNvSpPr>
+            <a:spLocks noGrp="1"/>
+          </p:cNvSpPr>
+          <p:nvPr>
+            <p:ph idx="1"/>
+          </p:nvPr>
+        </p:nvSpPr>
+        <p:spPr/>
+        <p:txBody>
+          <a:bodyPr/>
+          <a:lstStyle/>
+          <a:p>
+            <a:endParaRPr lang="nl-BE"/>
+          </a:p>
+        </p:txBody>
+      </p:sp>
+      <p:pic>
+        <p:nvPicPr>
+          <p:cNvPr id="4" name="Picture 3"/>
+          <p:cNvPicPr>
+            <a:picLocks noChangeAspect="1"/>
+          </p:cNvPicPr>
+          <p:nvPr/>
+        </p:nvPicPr>
+        <p:blipFill>
+          <a:blip r:embed="rId2"/>
+          <a:stretch>
+            <a:fillRect/>
+          </a:stretch>
+        </p:blipFill>
+        <p:spPr>
+          <a:xfrm>
+            <a:off x="1798320" y="1561151"/>
+            <a:ext cx="8869679" cy="4809029"/>
+          </a:xfrm>
+          <a:prstGeom prst="rect">
+            <a:avLst/>
+          </a:prstGeom>
+        </p:spPr>
+      </p:pic>
+    </p:spTree>
+    <p:extLst>
+      <p:ext uri="{BB962C8B-B14F-4D97-AF65-F5344CB8AC3E}">
+        <p14:creationId xmlns:p14="http://schemas.microsoft.com/office/powerpoint/2010/main" val="3282284571"/>
+      </p:ext>
+    </p:extLst>
+  </p:cSld>
+  <p:clrMapOvr>
+    <a:masterClrMapping/>
+  </p:clrMapOvr>
+</p:sld>
+</file>
+
+<file path=ppt/slides/slide13.xml><?xml version="1.0" encoding="utf-8"?>
+<p:sld xmlns:a="http://schemas.openxmlformats.org/drawingml/2006/main" xmlns:r="http://schemas.openxmlformats.org/officeDocument/2006/relationships" xmlns:p="http://schemas.openxmlformats.org/presentationml/2006/main">
+  <p:cSld>
+    <p:spTree>
+      <p:nvGrpSpPr>
+        <p:cNvPr id="1" name=""/>
+        <p:cNvGrpSpPr/>
+        <p:nvPr/>
+      </p:nvGrpSpPr>
+      <p:grpSpPr>
+        <a:xfrm>
+          <a:off x="0" y="0"/>
+          <a:ext cx="0" cy="0"/>
+          <a:chOff x="0" y="0"/>
+          <a:chExt cx="0" cy="0"/>
+        </a:xfrm>
+      </p:grpSpPr>
+      <p:sp>
+        <p:nvSpPr>
+          <p:cNvPr id="2" name="Title 1"/>
+          <p:cNvSpPr>
+            <a:spLocks noGrp="1"/>
+          </p:cNvSpPr>
+          <p:nvPr>
+            <p:ph type="title"/>
+          </p:nvPr>
+        </p:nvSpPr>
+        <p:spPr/>
+        <p:txBody>
+          <a:bodyPr/>
+          <a:lstStyle/>
+          <a:p>
+            <a:r>
+              <a:rPr lang="nl-BE" dirty="0" smtClean="0"/>
+              <a:t>Evenement details</a:t>
+            </a:r>
+            <a:endParaRPr lang="nl-BE" dirty="0"/>
+          </a:p>
+        </p:txBody>
+      </p:sp>
+      <p:sp>
+        <p:nvSpPr>
+          <p:cNvPr id="3" name="Content Placeholder 2"/>
+          <p:cNvSpPr>
+            <a:spLocks noGrp="1"/>
+          </p:cNvSpPr>
+          <p:nvPr>
+            <p:ph idx="1"/>
+          </p:nvPr>
+        </p:nvSpPr>
+        <p:spPr/>
+        <p:txBody>
+          <a:bodyPr/>
+          <a:lstStyle/>
+          <a:p>
+            <a:endParaRPr lang="nl-BE"/>
+          </a:p>
+        </p:txBody>
+      </p:sp>
+      <p:pic>
+        <p:nvPicPr>
+          <p:cNvPr id="4" name="Picture 3"/>
+          <p:cNvPicPr>
+            <a:picLocks noChangeAspect="1"/>
+          </p:cNvPicPr>
+          <p:nvPr/>
+        </p:nvPicPr>
+        <p:blipFill>
+          <a:blip r:embed="rId2"/>
+          <a:stretch>
+            <a:fillRect/>
+          </a:stretch>
+        </p:blipFill>
+        <p:spPr>
+          <a:xfrm>
+            <a:off x="1489253" y="1264555"/>
+            <a:ext cx="10015359" cy="5430202"/>
+          </a:xfrm>
+          <a:prstGeom prst="rect">
+            <a:avLst/>
+          </a:prstGeom>
+        </p:spPr>
+      </p:pic>
+    </p:spTree>
+    <p:extLst>
+      <p:ext uri="{BB962C8B-B14F-4D97-AF65-F5344CB8AC3E}">
+        <p14:creationId xmlns:p14="http://schemas.microsoft.com/office/powerpoint/2010/main" val="2206321970"/>
+      </p:ext>
+    </p:extLst>
+  </p:cSld>
+  <p:clrMapOvr>
+    <a:masterClrMapping/>
+  </p:clrMapOvr>
+</p:sld>
+</file>
+
+<file path=ppt/slides/slide14.xml><?xml version="1.0" encoding="utf-8"?>
+<p:sld xmlns:a="http://schemas.openxmlformats.org/drawingml/2006/main" xmlns:r="http://schemas.openxmlformats.org/officeDocument/2006/relationships" xmlns:p="http://schemas.openxmlformats.org/presentationml/2006/main">
+  <p:cSld>
+    <p:spTree>
+      <p:nvGrpSpPr>
+        <p:cNvPr id="1" name=""/>
+        <p:cNvGrpSpPr/>
+        <p:nvPr/>
+      </p:nvGrpSpPr>
+      <p:grpSpPr>
+        <a:xfrm>
+          <a:off x="0" y="0"/>
+          <a:ext cx="0" cy="0"/>
+          <a:chOff x="0" y="0"/>
+          <a:chExt cx="0" cy="0"/>
+        </a:xfrm>
+      </p:grpSpPr>
+      <p:sp>
+        <p:nvSpPr>
+          <p:cNvPr id="2" name="Title 1"/>
+          <p:cNvSpPr>
+            <a:spLocks noGrp="1"/>
+          </p:cNvSpPr>
+          <p:nvPr>
+            <p:ph type="title"/>
+          </p:nvPr>
+        </p:nvSpPr>
+        <p:spPr/>
+        <p:txBody>
+          <a:bodyPr/>
+          <a:lstStyle/>
+          <a:p>
+            <a:r>
+              <a:rPr lang="nl-BE" dirty="0" smtClean="0"/>
+              <a:t>Profiel</a:t>
+            </a:r>
+            <a:endParaRPr lang="nl-BE" dirty="0"/>
+          </a:p>
+        </p:txBody>
+      </p:sp>
+      <p:sp>
+        <p:nvSpPr>
+          <p:cNvPr id="3" name="Content Placeholder 2"/>
+          <p:cNvSpPr>
+            <a:spLocks noGrp="1"/>
+          </p:cNvSpPr>
+          <p:nvPr>
+            <p:ph idx="1"/>
+          </p:nvPr>
+        </p:nvSpPr>
+        <p:spPr/>
+        <p:txBody>
+          <a:bodyPr/>
+          <a:lstStyle/>
+          <a:p>
+            <a:endParaRPr lang="nl-BE"/>
+          </a:p>
+        </p:txBody>
+      </p:sp>
+      <p:pic>
+        <p:nvPicPr>
+          <p:cNvPr id="4" name="Picture 3"/>
+          <p:cNvPicPr>
+            <a:picLocks noChangeAspect="1"/>
+          </p:cNvPicPr>
+          <p:nvPr/>
+        </p:nvPicPr>
+        <p:blipFill>
+          <a:blip r:embed="rId2"/>
+          <a:stretch>
+            <a:fillRect/>
+          </a:stretch>
+        </p:blipFill>
+        <p:spPr>
+          <a:xfrm>
+            <a:off x="1888172" y="1518310"/>
+            <a:ext cx="9237028" cy="5008201"/>
+          </a:xfrm>
+          <a:prstGeom prst="rect">
+            <a:avLst/>
+          </a:prstGeom>
+        </p:spPr>
+      </p:pic>
+    </p:spTree>
+    <p:extLst>
+      <p:ext uri="{BB962C8B-B14F-4D97-AF65-F5344CB8AC3E}">
+        <p14:creationId xmlns:p14="http://schemas.microsoft.com/office/powerpoint/2010/main" val="3684987224"/>
+      </p:ext>
+    </p:extLst>
+  </p:cSld>
+  <p:clrMapOvr>
+    <a:masterClrMapping/>
+  </p:clrMapOvr>
+</p:sld>
+</file>
+
+<file path=ppt/slides/slide15.xml><?xml version="1.0" encoding="utf-8"?>
+<p:sld xmlns:a="http://schemas.openxmlformats.org/drawingml/2006/main" xmlns:r="http://schemas.openxmlformats.org/officeDocument/2006/relationships" xmlns:p="http://schemas.openxmlformats.org/presentationml/2006/main">
+  <p:cSld>
+    <p:spTree>
+      <p:nvGrpSpPr>
+        <p:cNvPr id="1" name=""/>
+        <p:cNvGrpSpPr/>
+        <p:nvPr/>
+      </p:nvGrpSpPr>
+      <p:grpSpPr>
+        <a:xfrm>
+          <a:off x="0" y="0"/>
+          <a:ext cx="0" cy="0"/>
+          <a:chOff x="0" y="0"/>
+          <a:chExt cx="0" cy="0"/>
+        </a:xfrm>
+      </p:grpSpPr>
+      <p:sp>
+        <p:nvSpPr>
+          <p:cNvPr id="2" name="Title 1"/>
+          <p:cNvSpPr>
+            <a:spLocks noGrp="1"/>
+          </p:cNvSpPr>
+          <p:nvPr>
+            <p:ph type="title"/>
+          </p:nvPr>
+        </p:nvSpPr>
+        <p:spPr/>
+        <p:txBody>
+          <a:bodyPr/>
+          <a:lstStyle/>
+          <a:p>
+            <a:r>
+              <a:rPr lang="nl-BE" dirty="0" smtClean="0"/>
+              <a:t>BOB instellingen</a:t>
+            </a:r>
+            <a:endParaRPr lang="nl-BE" dirty="0"/>
+          </a:p>
+        </p:txBody>
+      </p:sp>
+      <p:sp>
+        <p:nvSpPr>
+          <p:cNvPr id="3" name="Content Placeholder 2"/>
+          <p:cNvSpPr>
+            <a:spLocks noGrp="1"/>
+          </p:cNvSpPr>
+          <p:nvPr>
+            <p:ph idx="1"/>
+          </p:nvPr>
+        </p:nvSpPr>
+        <p:spPr/>
+        <p:txBody>
+          <a:bodyPr/>
+          <a:lstStyle/>
+          <a:p>
+            <a:endParaRPr lang="nl-BE"/>
+          </a:p>
+        </p:txBody>
+      </p:sp>
+      <p:pic>
+        <p:nvPicPr>
+          <p:cNvPr id="4" name="Picture 3"/>
+          <p:cNvPicPr>
+            <a:picLocks noChangeAspect="1"/>
+          </p:cNvPicPr>
+          <p:nvPr/>
+        </p:nvPicPr>
+        <p:blipFill>
+          <a:blip r:embed="rId2"/>
+          <a:stretch>
+            <a:fillRect/>
+          </a:stretch>
+        </p:blipFill>
+        <p:spPr>
+          <a:xfrm>
+            <a:off x="1615440" y="1386534"/>
+            <a:ext cx="9723120" cy="5271754"/>
+          </a:xfrm>
+          <a:prstGeom prst="rect">
+            <a:avLst/>
+          </a:prstGeom>
+        </p:spPr>
+      </p:pic>
+    </p:spTree>
+    <p:extLst>
+      <p:ext uri="{BB962C8B-B14F-4D97-AF65-F5344CB8AC3E}">
+        <p14:creationId xmlns:p14="http://schemas.microsoft.com/office/powerpoint/2010/main" val="4197245536"/>
+      </p:ext>
+    </p:extLst>
+  </p:cSld>
+  <p:clrMapOvr>
+    <a:masterClrMapping/>
+  </p:clrMapOvr>
+</p:sld>
+</file>
+
+<file path=ppt/slides/slide16.xml><?xml version="1.0" encoding="utf-8"?>
+<p:sld xmlns:a="http://schemas.openxmlformats.org/drawingml/2006/main" xmlns:r="http://schemas.openxmlformats.org/officeDocument/2006/relationships" xmlns:p="http://schemas.openxmlformats.org/presentationml/2006/main">
+  <p:cSld>
+    <p:spTree>
+      <p:nvGrpSpPr>
+        <p:cNvPr id="1" name=""/>
+        <p:cNvGrpSpPr/>
+        <p:nvPr/>
+      </p:nvGrpSpPr>
+      <p:grpSpPr>
+        <a:xfrm>
+          <a:off x="0" y="0"/>
+          <a:ext cx="0" cy="0"/>
+          <a:chOff x="0" y="0"/>
+          <a:chExt cx="0" cy="0"/>
+        </a:xfrm>
+      </p:grpSpPr>
+      <p:sp>
+        <p:nvSpPr>
+          <p:cNvPr id="2" name="Title 1"/>
+          <p:cNvSpPr>
+            <a:spLocks noGrp="1"/>
+          </p:cNvSpPr>
+          <p:nvPr>
+            <p:ph type="title"/>
+          </p:nvPr>
+        </p:nvSpPr>
+        <p:spPr/>
+        <p:txBody>
+          <a:bodyPr/>
+          <a:lstStyle/>
+          <a:p>
+            <a:r>
+              <a:rPr lang="nl-BE" dirty="0" smtClean="0"/>
+              <a:t>Screenshots</a:t>
+            </a:r>
+            <a:endParaRPr lang="nl-BE" dirty="0"/>
+          </a:p>
+        </p:txBody>
+      </p:sp>
+      <p:sp>
+        <p:nvSpPr>
+          <p:cNvPr id="3" name="Text Placeholder 2"/>
+          <p:cNvSpPr>
+            <a:spLocks noGrp="1"/>
+          </p:cNvSpPr>
+          <p:nvPr>
+            <p:ph type="body" idx="1"/>
+          </p:nvPr>
+        </p:nvSpPr>
+        <p:spPr/>
+        <p:txBody>
+          <a:bodyPr/>
+          <a:lstStyle/>
+          <a:p>
+            <a:r>
+              <a:rPr lang="nl-BE" dirty="0" smtClean="0"/>
+              <a:t>Desktop</a:t>
+            </a:r>
+            <a:endParaRPr lang="nl-BE" dirty="0"/>
+          </a:p>
+        </p:txBody>
+      </p:sp>
+    </p:spTree>
+    <p:extLst>
+      <p:ext uri="{BB962C8B-B14F-4D97-AF65-F5344CB8AC3E}">
+        <p14:creationId xmlns:p14="http://schemas.microsoft.com/office/powerpoint/2010/main" val="3671908302"/>
+      </p:ext>
+    </p:extLst>
+  </p:cSld>
+  <p:clrMapOvr>
+    <a:masterClrMapping/>
+  </p:clrMapOvr>
+</p:sld>
+</file>
+
+<file path=ppt/slides/slide17.xml><?xml version="1.0" encoding="utf-8"?>
 <p:sld xmlns:a="http://schemas.openxmlformats.org/drawingml/2006/main" xmlns:r="http://schemas.openxmlformats.org/officeDocument/2006/relationships" xmlns:p="http://schemas.openxmlformats.org/presentationml/2006/main">
   <p:cSld>
     <p:spTree>
@@ -8673,7 +8586,79 @@
 </p:sld>
 </file>
 
-<file path=ppt/slides/slide9.xml><?xml version="1.0" encoding="utf-8"?>
+<file path=ppt/slides/slide18.xml><?xml version="1.0" encoding="utf-8"?>
+<p:sld xmlns:a="http://schemas.openxmlformats.org/drawingml/2006/main" xmlns:r="http://schemas.openxmlformats.org/officeDocument/2006/relationships" xmlns:p="http://schemas.openxmlformats.org/presentationml/2006/main">
+  <p:cSld>
+    <p:spTree>
+      <p:nvGrpSpPr>
+        <p:cNvPr id="1" name=""/>
+        <p:cNvGrpSpPr/>
+        <p:nvPr/>
+      </p:nvGrpSpPr>
+      <p:grpSpPr>
+        <a:xfrm>
+          <a:off x="0" y="0"/>
+          <a:ext cx="0" cy="0"/>
+          <a:chOff x="0" y="0"/>
+          <a:chExt cx="0" cy="0"/>
+        </a:xfrm>
+      </p:grpSpPr>
+      <p:sp>
+        <p:nvSpPr>
+          <p:cNvPr id="2" name="Title 1"/>
+          <p:cNvSpPr>
+            <a:spLocks noGrp="1"/>
+          </p:cNvSpPr>
+          <p:nvPr>
+            <p:ph type="title"/>
+          </p:nvPr>
+        </p:nvSpPr>
+        <p:spPr/>
+        <p:txBody>
+          <a:bodyPr/>
+          <a:lstStyle/>
+          <a:p>
+            <a:r>
+              <a:rPr lang="nl-BE" dirty="0" smtClean="0"/>
+              <a:t>Reflectie</a:t>
+            </a:r>
+            <a:endParaRPr lang="nl-BE" dirty="0"/>
+          </a:p>
+        </p:txBody>
+      </p:sp>
+      <p:sp>
+        <p:nvSpPr>
+          <p:cNvPr id="3" name="Text Placeholder 2"/>
+          <p:cNvSpPr>
+            <a:spLocks noGrp="1"/>
+          </p:cNvSpPr>
+          <p:nvPr>
+            <p:ph type="body" idx="1"/>
+          </p:nvPr>
+        </p:nvSpPr>
+        <p:spPr/>
+        <p:txBody>
+          <a:bodyPr/>
+          <a:lstStyle/>
+          <a:p>
+            <a:endParaRPr lang="nl-BE"/>
+          </a:p>
+        </p:txBody>
+      </p:sp>
+    </p:spTree>
+    <p:extLst>
+      <p:ext uri="{BB962C8B-B14F-4D97-AF65-F5344CB8AC3E}">
+        <p14:creationId xmlns:p14="http://schemas.microsoft.com/office/powerpoint/2010/main" val="3396205259"/>
+      </p:ext>
+    </p:extLst>
+  </p:cSld>
+  <p:clrMapOvr>
+    <a:masterClrMapping/>
+  </p:clrMapOvr>
+</p:sld>
+</file>
+
+<file path=ppt/slides/slide19.xml><?xml version="1.0" encoding="utf-8"?>
 <p:sld xmlns:a="http://schemas.openxmlformats.org/drawingml/2006/main" xmlns:r="http://schemas.openxmlformats.org/officeDocument/2006/relationships" xmlns:p="http://schemas.openxmlformats.org/presentationml/2006/main">
   <p:cSld>
     <p:spTree>
@@ -8833,6 +8818,958 @@
     <p:extLst>
       <p:ext uri="{BB962C8B-B14F-4D97-AF65-F5344CB8AC3E}">
         <p14:creationId xmlns:p14="http://schemas.microsoft.com/office/powerpoint/2010/main" val="2560865624"/>
+      </p:ext>
+    </p:extLst>
+  </p:cSld>
+  <p:clrMapOvr>
+    <a:masterClrMapping/>
+  </p:clrMapOvr>
+  <p:timing>
+    <p:tnLst>
+      <p:par>
+        <p:cTn id="1" dur="indefinite" restart="never" nodeType="tmRoot"/>
+      </p:par>
+    </p:tnLst>
+  </p:timing>
+</p:sld>
+</file>
+
+<file path=ppt/slides/slide2.xml><?xml version="1.0" encoding="utf-8"?>
+<p:sld xmlns:a="http://schemas.openxmlformats.org/drawingml/2006/main" xmlns:r="http://schemas.openxmlformats.org/officeDocument/2006/relationships" xmlns:p="http://schemas.openxmlformats.org/presentationml/2006/main">
+  <p:cSld>
+    <p:spTree>
+      <p:nvGrpSpPr>
+        <p:cNvPr id="1" name=""/>
+        <p:cNvGrpSpPr/>
+        <p:nvPr/>
+      </p:nvGrpSpPr>
+      <p:grpSpPr>
+        <a:xfrm>
+          <a:off x="0" y="0"/>
+          <a:ext cx="0" cy="0"/>
+          <a:chOff x="0" y="0"/>
+          <a:chExt cx="0" cy="0"/>
+        </a:xfrm>
+      </p:grpSpPr>
+      <p:sp>
+        <p:nvSpPr>
+          <p:cNvPr id="2" name="Title 1"/>
+          <p:cNvSpPr>
+            <a:spLocks noGrp="1"/>
+          </p:cNvSpPr>
+          <p:nvPr>
+            <p:ph type="title"/>
+          </p:nvPr>
+        </p:nvSpPr>
+        <p:spPr/>
+        <p:txBody>
+          <a:bodyPr/>
+          <a:lstStyle/>
+          <a:p>
+            <a:r>
+              <a:rPr lang="nl-BE" dirty="0" smtClean="0"/>
+              <a:t>Probleemstelling</a:t>
+            </a:r>
+            <a:endParaRPr lang="nl-BE" dirty="0"/>
+          </a:p>
+        </p:txBody>
+      </p:sp>
+      <p:sp>
+        <p:nvSpPr>
+          <p:cNvPr id="3" name="Text Placeholder 2"/>
+          <p:cNvSpPr>
+            <a:spLocks noGrp="1"/>
+          </p:cNvSpPr>
+          <p:nvPr>
+            <p:ph type="body" idx="1"/>
+          </p:nvPr>
+        </p:nvSpPr>
+        <p:spPr/>
+        <p:txBody>
+          <a:bodyPr/>
+          <a:lstStyle/>
+          <a:p>
+            <a:endParaRPr lang="nl-BE"/>
+          </a:p>
+        </p:txBody>
+      </p:sp>
+    </p:spTree>
+    <p:extLst>
+      <p:ext uri="{BB962C8B-B14F-4D97-AF65-F5344CB8AC3E}">
+        <p14:creationId xmlns:p14="http://schemas.microsoft.com/office/powerpoint/2010/main" val="1548814214"/>
+      </p:ext>
+    </p:extLst>
+  </p:cSld>
+  <p:clrMapOvr>
+    <a:masterClrMapping/>
+  </p:clrMapOvr>
+</p:sld>
+</file>
+
+<file path=ppt/slides/slide20.xml><?xml version="1.0" encoding="utf-8"?>
+<p:sld xmlns:a="http://schemas.openxmlformats.org/drawingml/2006/main" xmlns:r="http://schemas.openxmlformats.org/officeDocument/2006/relationships" xmlns:p="http://schemas.openxmlformats.org/presentationml/2006/main">
+  <p:cSld>
+    <p:spTree>
+      <p:nvGrpSpPr>
+        <p:cNvPr id="1" name=""/>
+        <p:cNvGrpSpPr/>
+        <p:nvPr/>
+      </p:nvGrpSpPr>
+      <p:grpSpPr>
+        <a:xfrm>
+          <a:off x="0" y="0"/>
+          <a:ext cx="0" cy="0"/>
+          <a:chOff x="0" y="0"/>
+          <a:chExt cx="0" cy="0"/>
+        </a:xfrm>
+      </p:grpSpPr>
+      <p:sp>
+        <p:nvSpPr>
+          <p:cNvPr id="2" name="Titel 1"/>
+          <p:cNvSpPr>
+            <a:spLocks noGrp="1"/>
+          </p:cNvSpPr>
+          <p:nvPr>
+            <p:ph type="title"/>
+          </p:nvPr>
+        </p:nvSpPr>
+        <p:spPr/>
+        <p:txBody>
+          <a:bodyPr/>
+          <a:lstStyle/>
+          <a:p>
+            <a:r>
+              <a:rPr lang="nl-BE" dirty="0" smtClean="0"/>
+              <a:t>Conclusie</a:t>
+            </a:r>
+            <a:endParaRPr lang="nl-BE" dirty="0"/>
+          </a:p>
+        </p:txBody>
+      </p:sp>
+      <p:sp>
+        <p:nvSpPr>
+          <p:cNvPr id="3" name="Tijdelijke aanduiding voor inhoud 2"/>
+          <p:cNvSpPr>
+            <a:spLocks noGrp="1"/>
+          </p:cNvSpPr>
+          <p:nvPr>
+            <p:ph idx="1"/>
+          </p:nvPr>
+        </p:nvSpPr>
+        <p:spPr/>
+        <p:txBody>
+          <a:bodyPr/>
+          <a:lstStyle/>
+          <a:p>
+            <a:r>
+              <a:rPr lang="nl-BE" dirty="0" smtClean="0"/>
+              <a:t>Ervaring</a:t>
+            </a:r>
+          </a:p>
+          <a:p>
+            <a:r>
+              <a:rPr lang="nl-BE" dirty="0" smtClean="0"/>
+              <a:t>Samenwerken in team</a:t>
+            </a:r>
+          </a:p>
+          <a:p>
+            <a:r>
+              <a:rPr lang="nl-BE" dirty="0" smtClean="0"/>
+              <a:t>Comfort </a:t>
+            </a:r>
+            <a:r>
+              <a:rPr lang="nl-BE" dirty="0" smtClean="0"/>
+              <a:t>zone</a:t>
+            </a:r>
+          </a:p>
+          <a:p>
+            <a:r>
+              <a:rPr lang="nl-BE" dirty="0" smtClean="0"/>
+              <a:t>Interactie tussen ontwikkelaars</a:t>
+            </a:r>
+          </a:p>
+          <a:p>
+            <a:r>
+              <a:rPr lang="nl-BE" dirty="0" smtClean="0"/>
+              <a:t>Comminucatie tussen website en desktop</a:t>
+            </a:r>
+            <a:endParaRPr lang="nl-BE" dirty="0"/>
+          </a:p>
+        </p:txBody>
+      </p:sp>
+    </p:spTree>
+    <p:extLst>
+      <p:ext uri="{BB962C8B-B14F-4D97-AF65-F5344CB8AC3E}">
+        <p14:creationId xmlns:p14="http://schemas.microsoft.com/office/powerpoint/2010/main" val="1328376559"/>
+      </p:ext>
+    </p:extLst>
+  </p:cSld>
+  <p:clrMapOvr>
+    <a:masterClrMapping/>
+  </p:clrMapOvr>
+  <p:timing>
+    <p:tnLst>
+      <p:par>
+        <p:cTn id="1" dur="indefinite" restart="never" nodeType="tmRoot"/>
+      </p:par>
+    </p:tnLst>
+  </p:timing>
+</p:sld>
+</file>
+
+<file path=ppt/slides/slide21.xml><?xml version="1.0" encoding="utf-8"?>
+<p:sld xmlns:a="http://schemas.openxmlformats.org/drawingml/2006/main" xmlns:r="http://schemas.openxmlformats.org/officeDocument/2006/relationships" xmlns:p="http://schemas.openxmlformats.org/presentationml/2006/main">
+  <p:cSld>
+    <p:spTree>
+      <p:nvGrpSpPr>
+        <p:cNvPr id="1" name=""/>
+        <p:cNvGrpSpPr/>
+        <p:nvPr/>
+      </p:nvGrpSpPr>
+      <p:grpSpPr>
+        <a:xfrm>
+          <a:off x="0" y="0"/>
+          <a:ext cx="0" cy="0"/>
+          <a:chOff x="0" y="0"/>
+          <a:chExt cx="0" cy="0"/>
+        </a:xfrm>
+      </p:grpSpPr>
+      <p:sp>
+        <p:nvSpPr>
+          <p:cNvPr id="2" name="Title 1"/>
+          <p:cNvSpPr>
+            <a:spLocks noGrp="1"/>
+          </p:cNvSpPr>
+          <p:nvPr>
+            <p:ph type="title"/>
+          </p:nvPr>
+        </p:nvSpPr>
+        <p:spPr/>
+        <p:txBody>
+          <a:bodyPr/>
+          <a:lstStyle/>
+          <a:p>
+            <a:r>
+              <a:rPr lang="nl-BE" dirty="0" smtClean="0"/>
+              <a:t>Einde</a:t>
+            </a:r>
+            <a:endParaRPr lang="nl-BE" dirty="0"/>
+          </a:p>
+        </p:txBody>
+      </p:sp>
+      <p:sp>
+        <p:nvSpPr>
+          <p:cNvPr id="3" name="Text Placeholder 2"/>
+          <p:cNvSpPr>
+            <a:spLocks noGrp="1"/>
+          </p:cNvSpPr>
+          <p:nvPr>
+            <p:ph type="body" idx="1"/>
+          </p:nvPr>
+        </p:nvSpPr>
+        <p:spPr/>
+        <p:txBody>
+          <a:bodyPr/>
+          <a:lstStyle/>
+          <a:p>
+            <a:r>
+              <a:rPr lang="nl-BE" dirty="0" smtClean="0"/>
+              <a:t>Bedant voor uw aandacht.</a:t>
+            </a:r>
+            <a:endParaRPr lang="nl-BE" dirty="0"/>
+          </a:p>
+        </p:txBody>
+      </p:sp>
+    </p:spTree>
+    <p:extLst>
+      <p:ext uri="{BB962C8B-B14F-4D97-AF65-F5344CB8AC3E}">
+        <p14:creationId xmlns:p14="http://schemas.microsoft.com/office/powerpoint/2010/main" val="2560053426"/>
+      </p:ext>
+    </p:extLst>
+  </p:cSld>
+  <p:clrMapOvr>
+    <a:masterClrMapping/>
+  </p:clrMapOvr>
+</p:sld>
+</file>
+
+<file path=ppt/slides/slide3.xml><?xml version="1.0" encoding="utf-8"?>
+<p:sld xmlns:a="http://schemas.openxmlformats.org/drawingml/2006/main" xmlns:r="http://schemas.openxmlformats.org/officeDocument/2006/relationships" xmlns:p="http://schemas.openxmlformats.org/presentationml/2006/main">
+  <p:cSld>
+    <p:spTree>
+      <p:nvGrpSpPr>
+        <p:cNvPr id="1" name=""/>
+        <p:cNvGrpSpPr/>
+        <p:nvPr/>
+      </p:nvGrpSpPr>
+      <p:grpSpPr>
+        <a:xfrm>
+          <a:off x="0" y="0"/>
+          <a:ext cx="0" cy="0"/>
+          <a:chOff x="0" y="0"/>
+          <a:chExt cx="0" cy="0"/>
+        </a:xfrm>
+      </p:grpSpPr>
+      <p:sp>
+        <p:nvSpPr>
+          <p:cNvPr id="2" name="Titel 1"/>
+          <p:cNvSpPr>
+            <a:spLocks noGrp="1"/>
+          </p:cNvSpPr>
+          <p:nvPr>
+            <p:ph type="title"/>
+          </p:nvPr>
+        </p:nvSpPr>
+        <p:spPr/>
+        <p:txBody>
+          <a:bodyPr/>
+          <a:lstStyle/>
+          <a:p>
+            <a:r>
+              <a:rPr lang="nl-BE" dirty="0" smtClean="0"/>
+              <a:t>Probleemstelling</a:t>
+            </a:r>
+            <a:endParaRPr lang="nl-BE" dirty="0"/>
+          </a:p>
+        </p:txBody>
+      </p:sp>
+      <p:sp>
+        <p:nvSpPr>
+          <p:cNvPr id="3" name="Tijdelijke aanduiding voor inhoud 2"/>
+          <p:cNvSpPr>
+            <a:spLocks noGrp="1"/>
+          </p:cNvSpPr>
+          <p:nvPr>
+            <p:ph idx="1"/>
+          </p:nvPr>
+        </p:nvSpPr>
+        <p:spPr/>
+        <p:txBody>
+          <a:bodyPr/>
+          <a:lstStyle/>
+          <a:p>
+            <a:r>
+              <a:rPr lang="nl-BE" dirty="0" smtClean="0"/>
+              <a:t>Aanwezigheid op het web</a:t>
+            </a:r>
+          </a:p>
+          <a:p>
+            <a:r>
+              <a:rPr lang="nl-BE" dirty="0" smtClean="0"/>
+              <a:t>Aansluiting bij het studentenleven</a:t>
+            </a:r>
+          </a:p>
+          <a:p>
+            <a:r>
+              <a:rPr lang="nl-BE" dirty="0" smtClean="0"/>
+              <a:t>Aantrekkelijk</a:t>
+            </a:r>
+          </a:p>
+          <a:p>
+            <a:r>
+              <a:rPr lang="nl-BE" dirty="0" smtClean="0"/>
+              <a:t>Gericht op verantwoord drinken</a:t>
+            </a:r>
+          </a:p>
+          <a:p>
+            <a:r>
+              <a:rPr lang="nl-BE" dirty="0" smtClean="0"/>
+              <a:t>Responsive</a:t>
+            </a:r>
+          </a:p>
+          <a:p>
+            <a:r>
+              <a:rPr lang="nl-BE" dirty="0" smtClean="0"/>
+              <a:t>Gericht op mobiele apperaten</a:t>
+            </a:r>
+            <a:endParaRPr lang="nl-BE" dirty="0"/>
+          </a:p>
+        </p:txBody>
+      </p:sp>
+    </p:spTree>
+    <p:extLst>
+      <p:ext uri="{BB962C8B-B14F-4D97-AF65-F5344CB8AC3E}">
+        <p14:creationId xmlns:p14="http://schemas.microsoft.com/office/powerpoint/2010/main" val="2843139526"/>
+      </p:ext>
+    </p:extLst>
+  </p:cSld>
+  <p:clrMapOvr>
+    <a:masterClrMapping/>
+  </p:clrMapOvr>
+  <p:timing>
+    <p:tnLst>
+      <p:par>
+        <p:cTn id="1" dur="indefinite" restart="never" nodeType="tmRoot"/>
+      </p:par>
+    </p:tnLst>
+  </p:timing>
+</p:sld>
+</file>
+
+<file path=ppt/slides/slide4.xml><?xml version="1.0" encoding="utf-8"?>
+<p:sld xmlns:a="http://schemas.openxmlformats.org/drawingml/2006/main" xmlns:r="http://schemas.openxmlformats.org/officeDocument/2006/relationships" xmlns:p="http://schemas.openxmlformats.org/presentationml/2006/main">
+  <p:cSld>
+    <p:spTree>
+      <p:nvGrpSpPr>
+        <p:cNvPr id="1" name=""/>
+        <p:cNvGrpSpPr/>
+        <p:nvPr/>
+      </p:nvGrpSpPr>
+      <p:grpSpPr>
+        <a:xfrm>
+          <a:off x="0" y="0"/>
+          <a:ext cx="0" cy="0"/>
+          <a:chOff x="0" y="0"/>
+          <a:chExt cx="0" cy="0"/>
+        </a:xfrm>
+      </p:grpSpPr>
+      <p:sp>
+        <p:nvSpPr>
+          <p:cNvPr id="2" name="Title 1"/>
+          <p:cNvSpPr>
+            <a:spLocks noGrp="1"/>
+          </p:cNvSpPr>
+          <p:nvPr>
+            <p:ph type="title"/>
+          </p:nvPr>
+        </p:nvSpPr>
+        <p:spPr/>
+        <p:txBody>
+          <a:bodyPr/>
+          <a:lstStyle/>
+          <a:p>
+            <a:r>
+              <a:rPr lang="nl-BE" dirty="0" smtClean="0"/>
+              <a:t>Persoonlijke invulling</a:t>
+            </a:r>
+            <a:br>
+              <a:rPr lang="nl-BE" dirty="0" smtClean="0"/>
+            </a:br>
+            <a:endParaRPr lang="nl-BE" dirty="0"/>
+          </a:p>
+        </p:txBody>
+      </p:sp>
+      <p:sp>
+        <p:nvSpPr>
+          <p:cNvPr id="3" name="Text Placeholder 2"/>
+          <p:cNvSpPr>
+            <a:spLocks noGrp="1"/>
+          </p:cNvSpPr>
+          <p:nvPr>
+            <p:ph type="body" idx="1"/>
+          </p:nvPr>
+        </p:nvSpPr>
+        <p:spPr/>
+        <p:txBody>
+          <a:bodyPr/>
+          <a:lstStyle/>
+          <a:p>
+            <a:endParaRPr lang="nl-BE"/>
+          </a:p>
+        </p:txBody>
+      </p:sp>
+    </p:spTree>
+    <p:extLst>
+      <p:ext uri="{BB962C8B-B14F-4D97-AF65-F5344CB8AC3E}">
+        <p14:creationId xmlns:p14="http://schemas.microsoft.com/office/powerpoint/2010/main" val="3211807534"/>
+      </p:ext>
+    </p:extLst>
+  </p:cSld>
+  <p:clrMapOvr>
+    <a:masterClrMapping/>
+  </p:clrMapOvr>
+</p:sld>
+</file>
+
+<file path=ppt/slides/slide5.xml><?xml version="1.0" encoding="utf-8"?>
+<p:sld xmlns:a="http://schemas.openxmlformats.org/drawingml/2006/main" xmlns:r="http://schemas.openxmlformats.org/officeDocument/2006/relationships" xmlns:p="http://schemas.openxmlformats.org/presentationml/2006/main">
+  <p:cSld>
+    <p:spTree>
+      <p:nvGrpSpPr>
+        <p:cNvPr id="1" name=""/>
+        <p:cNvGrpSpPr/>
+        <p:nvPr/>
+      </p:nvGrpSpPr>
+      <p:grpSpPr>
+        <a:xfrm>
+          <a:off x="0" y="0"/>
+          <a:ext cx="0" cy="0"/>
+          <a:chOff x="0" y="0"/>
+          <a:chExt cx="0" cy="0"/>
+        </a:xfrm>
+      </p:grpSpPr>
+      <p:sp>
+        <p:nvSpPr>
+          <p:cNvPr id="2" name="Title 1"/>
+          <p:cNvSpPr>
+            <a:spLocks noGrp="1"/>
+          </p:cNvSpPr>
+          <p:nvPr>
+            <p:ph type="title"/>
+          </p:nvPr>
+        </p:nvSpPr>
+        <p:spPr/>
+        <p:txBody>
+          <a:bodyPr/>
+          <a:lstStyle/>
+          <a:p>
+            <a:r>
+              <a:rPr lang="nl-BE" dirty="0" smtClean="0"/>
+              <a:t>Persoonlijke invulling</a:t>
+            </a:r>
+            <a:endParaRPr lang="nl-BE" dirty="0"/>
+          </a:p>
+        </p:txBody>
+      </p:sp>
+      <p:sp>
+        <p:nvSpPr>
+          <p:cNvPr id="3" name="Content Placeholder 2"/>
+          <p:cNvSpPr>
+            <a:spLocks noGrp="1"/>
+          </p:cNvSpPr>
+          <p:nvPr>
+            <p:ph idx="1"/>
+          </p:nvPr>
+        </p:nvSpPr>
+        <p:spPr/>
+        <p:txBody>
+          <a:bodyPr/>
+          <a:lstStyle/>
+          <a:p>
+            <a:r>
+              <a:rPr lang="nl-BE" dirty="0" smtClean="0"/>
+              <a:t>App lay-out</a:t>
+            </a:r>
+          </a:p>
+          <a:p>
+            <a:r>
+              <a:rPr lang="nl-BE" dirty="0" smtClean="0"/>
+              <a:t>Gericht op evenementen</a:t>
+            </a:r>
+          </a:p>
+          <a:p>
+            <a:r>
+              <a:rPr lang="nl-BE" dirty="0" smtClean="0"/>
+              <a:t>Nadruk ligt op verantwoordelijk uitgaan</a:t>
+            </a:r>
+          </a:p>
+          <a:p>
+            <a:r>
+              <a:rPr lang="nl-BE" dirty="0" smtClean="0"/>
+              <a:t>Informele taal</a:t>
+            </a:r>
+          </a:p>
+          <a:p>
+            <a:r>
+              <a:rPr lang="nl-BE" dirty="0" smtClean="0"/>
+              <a:t>Gebruikerservaring op mobiele apparaten</a:t>
+            </a:r>
+          </a:p>
+          <a:p>
+            <a:r>
+              <a:rPr lang="nl-BE" dirty="0" smtClean="0"/>
+              <a:t>Integratie met sociale media</a:t>
+            </a:r>
+          </a:p>
+          <a:p>
+            <a:r>
+              <a:rPr lang="nl-BE" dirty="0" smtClean="0"/>
+              <a:t>Contact met de gebruiker</a:t>
+            </a:r>
+          </a:p>
+          <a:p>
+            <a:r>
+              <a:rPr lang="nl-BE" dirty="0" smtClean="0"/>
+              <a:t>Uitgebreid BOB systeem</a:t>
+            </a:r>
+          </a:p>
+          <a:p>
+            <a:endParaRPr lang="nl-BE" dirty="0"/>
+          </a:p>
+        </p:txBody>
+      </p:sp>
+    </p:spTree>
+    <p:extLst>
+      <p:ext uri="{BB962C8B-B14F-4D97-AF65-F5344CB8AC3E}">
+        <p14:creationId xmlns:p14="http://schemas.microsoft.com/office/powerpoint/2010/main" val="3198152576"/>
+      </p:ext>
+    </p:extLst>
+  </p:cSld>
+  <p:clrMapOvr>
+    <a:masterClrMapping/>
+  </p:clrMapOvr>
+</p:sld>
+</file>
+
+<file path=ppt/slides/slide6.xml><?xml version="1.0" encoding="utf-8"?>
+<p:sld xmlns:a="http://schemas.openxmlformats.org/drawingml/2006/main" xmlns:r="http://schemas.openxmlformats.org/officeDocument/2006/relationships" xmlns:p="http://schemas.openxmlformats.org/presentationml/2006/main">
+  <p:cSld>
+    <p:spTree>
+      <p:nvGrpSpPr>
+        <p:cNvPr id="1" name=""/>
+        <p:cNvGrpSpPr/>
+        <p:nvPr/>
+      </p:nvGrpSpPr>
+      <p:grpSpPr>
+        <a:xfrm>
+          <a:off x="0" y="0"/>
+          <a:ext cx="0" cy="0"/>
+          <a:chOff x="0" y="0"/>
+          <a:chExt cx="0" cy="0"/>
+        </a:xfrm>
+      </p:grpSpPr>
+      <p:sp>
+        <p:nvSpPr>
+          <p:cNvPr id="2" name="Title 1"/>
+          <p:cNvSpPr>
+            <a:spLocks noGrp="1"/>
+          </p:cNvSpPr>
+          <p:nvPr>
+            <p:ph type="title"/>
+          </p:nvPr>
+        </p:nvSpPr>
+        <p:spPr/>
+        <p:txBody>
+          <a:bodyPr/>
+          <a:lstStyle/>
+          <a:p>
+            <a:r>
+              <a:rPr lang="nl-BE" dirty="0" smtClean="0"/>
+              <a:t>Screenshots</a:t>
+            </a:r>
+            <a:endParaRPr lang="nl-BE" dirty="0"/>
+          </a:p>
+        </p:txBody>
+      </p:sp>
+      <p:sp>
+        <p:nvSpPr>
+          <p:cNvPr id="3" name="Text Placeholder 2"/>
+          <p:cNvSpPr>
+            <a:spLocks noGrp="1"/>
+          </p:cNvSpPr>
+          <p:nvPr>
+            <p:ph type="body" idx="1"/>
+          </p:nvPr>
+        </p:nvSpPr>
+        <p:spPr/>
+        <p:txBody>
+          <a:bodyPr/>
+          <a:lstStyle/>
+          <a:p>
+            <a:r>
+              <a:rPr lang="nl-BE" dirty="0" smtClean="0"/>
+              <a:t>Website</a:t>
+            </a:r>
+            <a:endParaRPr lang="nl-BE" dirty="0"/>
+          </a:p>
+        </p:txBody>
+      </p:sp>
+    </p:spTree>
+    <p:extLst>
+      <p:ext uri="{BB962C8B-B14F-4D97-AF65-F5344CB8AC3E}">
+        <p14:creationId xmlns:p14="http://schemas.microsoft.com/office/powerpoint/2010/main" val="2443082905"/>
+      </p:ext>
+    </p:extLst>
+  </p:cSld>
+  <p:clrMapOvr>
+    <a:masterClrMapping/>
+  </p:clrMapOvr>
+</p:sld>
+</file>
+
+<file path=ppt/slides/slide7.xml><?xml version="1.0" encoding="utf-8"?>
+<p:sld xmlns:a="http://schemas.openxmlformats.org/drawingml/2006/main" xmlns:r="http://schemas.openxmlformats.org/officeDocument/2006/relationships" xmlns:p="http://schemas.openxmlformats.org/presentationml/2006/main">
+  <p:cSld>
+    <p:spTree>
+      <p:nvGrpSpPr>
+        <p:cNvPr id="1" name=""/>
+        <p:cNvGrpSpPr/>
+        <p:nvPr/>
+      </p:nvGrpSpPr>
+      <p:grpSpPr>
+        <a:xfrm>
+          <a:off x="0" y="0"/>
+          <a:ext cx="0" cy="0"/>
+          <a:chOff x="0" y="0"/>
+          <a:chExt cx="0" cy="0"/>
+        </a:xfrm>
+      </p:grpSpPr>
+      <p:sp>
+        <p:nvSpPr>
+          <p:cNvPr id="2" name="Title 1"/>
+          <p:cNvSpPr>
+            <a:spLocks noGrp="1"/>
+          </p:cNvSpPr>
+          <p:nvPr>
+            <p:ph type="title"/>
+          </p:nvPr>
+        </p:nvSpPr>
+        <p:spPr/>
+        <p:txBody>
+          <a:bodyPr/>
+          <a:lstStyle/>
+          <a:p>
+            <a:r>
+              <a:rPr lang="nl-BE" dirty="0" smtClean="0"/>
+              <a:t>Hoofd pagina</a:t>
+            </a:r>
+            <a:endParaRPr lang="nl-BE" dirty="0"/>
+          </a:p>
+        </p:txBody>
+      </p:sp>
+      <p:sp>
+        <p:nvSpPr>
+          <p:cNvPr id="3" name="Content Placeholder 2"/>
+          <p:cNvSpPr>
+            <a:spLocks noGrp="1"/>
+          </p:cNvSpPr>
+          <p:nvPr>
+            <p:ph idx="1"/>
+          </p:nvPr>
+        </p:nvSpPr>
+        <p:spPr/>
+        <p:txBody>
+          <a:bodyPr/>
+          <a:lstStyle/>
+          <a:p>
+            <a:endParaRPr lang="nl-BE"/>
+          </a:p>
+        </p:txBody>
+      </p:sp>
+      <p:pic>
+        <p:nvPicPr>
+          <p:cNvPr id="5" name="Picture 4"/>
+          <p:cNvPicPr>
+            <a:picLocks noChangeAspect="1"/>
+          </p:cNvPicPr>
+          <p:nvPr/>
+        </p:nvPicPr>
+        <p:blipFill>
+          <a:blip r:embed="rId2"/>
+          <a:stretch>
+            <a:fillRect/>
+          </a:stretch>
+        </p:blipFill>
+        <p:spPr>
+          <a:xfrm>
+            <a:off x="1584960" y="1452637"/>
+            <a:ext cx="9479280" cy="5139547"/>
+          </a:xfrm>
+          <a:prstGeom prst="rect">
+            <a:avLst/>
+          </a:prstGeom>
+        </p:spPr>
+      </p:pic>
+    </p:spTree>
+    <p:extLst>
+      <p:ext uri="{BB962C8B-B14F-4D97-AF65-F5344CB8AC3E}">
+        <p14:creationId xmlns:p14="http://schemas.microsoft.com/office/powerpoint/2010/main" val="3365214511"/>
+      </p:ext>
+    </p:extLst>
+  </p:cSld>
+  <p:clrMapOvr>
+    <a:masterClrMapping/>
+  </p:clrMapOvr>
+  <p:timing>
+    <p:tnLst>
+      <p:par>
+        <p:cTn id="1" dur="indefinite" restart="never" nodeType="tmRoot"/>
+      </p:par>
+    </p:tnLst>
+  </p:timing>
+</p:sld>
+</file>
+
+<file path=ppt/slides/slide8.xml><?xml version="1.0" encoding="utf-8"?>
+<p:sld xmlns:a="http://schemas.openxmlformats.org/drawingml/2006/main" xmlns:r="http://schemas.openxmlformats.org/officeDocument/2006/relationships" xmlns:p="http://schemas.openxmlformats.org/presentationml/2006/main">
+  <p:cSld>
+    <p:spTree>
+      <p:nvGrpSpPr>
+        <p:cNvPr id="1" name=""/>
+        <p:cNvGrpSpPr/>
+        <p:nvPr/>
+      </p:nvGrpSpPr>
+      <p:grpSpPr>
+        <a:xfrm>
+          <a:off x="0" y="0"/>
+          <a:ext cx="0" cy="0"/>
+          <a:chOff x="0" y="0"/>
+          <a:chExt cx="0" cy="0"/>
+        </a:xfrm>
+      </p:grpSpPr>
+      <p:sp>
+        <p:nvSpPr>
+          <p:cNvPr id="2" name="Title 1"/>
+          <p:cNvSpPr>
+            <a:spLocks noGrp="1"/>
+          </p:cNvSpPr>
+          <p:nvPr>
+            <p:ph type="title"/>
+          </p:nvPr>
+        </p:nvSpPr>
+        <p:spPr/>
+        <p:txBody>
+          <a:bodyPr/>
+          <a:lstStyle/>
+          <a:p>
+            <a:r>
+              <a:rPr lang="nl-BE" dirty="0" smtClean="0"/>
+              <a:t>Evenementen pagina</a:t>
+            </a:r>
+            <a:endParaRPr lang="nl-BE" dirty="0"/>
+          </a:p>
+        </p:txBody>
+      </p:sp>
+      <p:sp>
+        <p:nvSpPr>
+          <p:cNvPr id="3" name="Content Placeholder 2"/>
+          <p:cNvSpPr>
+            <a:spLocks noGrp="1"/>
+          </p:cNvSpPr>
+          <p:nvPr>
+            <p:ph idx="1"/>
+          </p:nvPr>
+        </p:nvSpPr>
+        <p:spPr/>
+        <p:txBody>
+          <a:bodyPr/>
+          <a:lstStyle/>
+          <a:p>
+            <a:endParaRPr lang="nl-BE"/>
+          </a:p>
+        </p:txBody>
+      </p:sp>
+      <p:pic>
+        <p:nvPicPr>
+          <p:cNvPr id="5" name="Picture 4"/>
+          <p:cNvPicPr>
+            <a:picLocks noChangeAspect="1"/>
+          </p:cNvPicPr>
+          <p:nvPr/>
+        </p:nvPicPr>
+        <p:blipFill>
+          <a:blip r:embed="rId2"/>
+          <a:stretch>
+            <a:fillRect/>
+          </a:stretch>
+        </p:blipFill>
+        <p:spPr>
+          <a:xfrm>
+            <a:off x="1828800" y="1601370"/>
+            <a:ext cx="8930640" cy="4842081"/>
+          </a:xfrm>
+          <a:prstGeom prst="rect">
+            <a:avLst/>
+          </a:prstGeom>
+        </p:spPr>
+      </p:pic>
+    </p:spTree>
+    <p:extLst>
+      <p:ext uri="{BB962C8B-B14F-4D97-AF65-F5344CB8AC3E}">
+        <p14:creationId xmlns:p14="http://schemas.microsoft.com/office/powerpoint/2010/main" val="952592447"/>
+      </p:ext>
+    </p:extLst>
+  </p:cSld>
+  <p:clrMapOvr>
+    <a:masterClrMapping/>
+  </p:clrMapOvr>
+  <p:timing>
+    <p:tnLst>
+      <p:par>
+        <p:cTn id="1" dur="indefinite" restart="never" nodeType="tmRoot"/>
+      </p:par>
+    </p:tnLst>
+  </p:timing>
+</p:sld>
+</file>
+
+<file path=ppt/slides/slide9.xml><?xml version="1.0" encoding="utf-8"?>
+<p:sld xmlns:a="http://schemas.openxmlformats.org/drawingml/2006/main" xmlns:r="http://schemas.openxmlformats.org/officeDocument/2006/relationships" xmlns:p="http://schemas.openxmlformats.org/presentationml/2006/main">
+  <p:cSld>
+    <p:spTree>
+      <p:nvGrpSpPr>
+        <p:cNvPr id="1" name=""/>
+        <p:cNvGrpSpPr/>
+        <p:nvPr/>
+      </p:nvGrpSpPr>
+      <p:grpSpPr>
+        <a:xfrm>
+          <a:off x="0" y="0"/>
+          <a:ext cx="0" cy="0"/>
+          <a:chOff x="0" y="0"/>
+          <a:chExt cx="0" cy="0"/>
+        </a:xfrm>
+      </p:grpSpPr>
+      <p:sp>
+        <p:nvSpPr>
+          <p:cNvPr id="2" name="Title 1"/>
+          <p:cNvSpPr>
+            <a:spLocks noGrp="1"/>
+          </p:cNvSpPr>
+          <p:nvPr>
+            <p:ph type="title"/>
+          </p:nvPr>
+        </p:nvSpPr>
+        <p:spPr/>
+        <p:txBody>
+          <a:bodyPr/>
+          <a:lstStyle/>
+          <a:p>
+            <a:r>
+              <a:rPr lang="nl-BE" dirty="0" smtClean="0"/>
+              <a:t>Registratie pagina</a:t>
+            </a:r>
+            <a:endParaRPr lang="nl-BE" dirty="0"/>
+          </a:p>
+        </p:txBody>
+      </p:sp>
+      <p:sp>
+        <p:nvSpPr>
+          <p:cNvPr id="3" name="Content Placeholder 2"/>
+          <p:cNvSpPr>
+            <a:spLocks noGrp="1"/>
+          </p:cNvSpPr>
+          <p:nvPr>
+            <p:ph idx="1"/>
+          </p:nvPr>
+        </p:nvSpPr>
+        <p:spPr/>
+        <p:txBody>
+          <a:bodyPr/>
+          <a:lstStyle/>
+          <a:p>
+            <a:endParaRPr lang="nl-BE"/>
+          </a:p>
+        </p:txBody>
+      </p:sp>
+      <p:pic>
+        <p:nvPicPr>
+          <p:cNvPr id="4" name="Picture 3"/>
+          <p:cNvPicPr>
+            <a:picLocks noChangeAspect="1"/>
+          </p:cNvPicPr>
+          <p:nvPr/>
+        </p:nvPicPr>
+        <p:blipFill>
+          <a:blip r:embed="rId2"/>
+          <a:stretch>
+            <a:fillRect/>
+          </a:stretch>
+        </p:blipFill>
+        <p:spPr>
+          <a:xfrm>
+            <a:off x="1790824" y="1478280"/>
+            <a:ext cx="9364856" cy="5077508"/>
+          </a:xfrm>
+          <a:prstGeom prst="rect">
+            <a:avLst/>
+          </a:prstGeom>
+        </p:spPr>
+      </p:pic>
+    </p:spTree>
+    <p:extLst>
+      <p:ext uri="{BB962C8B-B14F-4D97-AF65-F5344CB8AC3E}">
+        <p14:creationId xmlns:p14="http://schemas.microsoft.com/office/powerpoint/2010/main" val="3865326590"/>
       </p:ext>
     </p:extLst>
   </p:cSld>

--- a/presentation/Project AppDev.pptx
+++ b/presentation/Project AppDev.pptx
@@ -21,11 +21,20 @@
     <p:sldId id="268" r:id="rId15"/>
     <p:sldId id="269" r:id="rId16"/>
     <p:sldId id="275" r:id="rId17"/>
-    <p:sldId id="258" r:id="rId18"/>
-    <p:sldId id="276" r:id="rId19"/>
-    <p:sldId id="259" r:id="rId20"/>
-    <p:sldId id="260" r:id="rId21"/>
-    <p:sldId id="277" r:id="rId22"/>
+    <p:sldId id="287" r:id="rId18"/>
+    <p:sldId id="279" r:id="rId19"/>
+    <p:sldId id="280" r:id="rId20"/>
+    <p:sldId id="281" r:id="rId21"/>
+    <p:sldId id="282" r:id="rId22"/>
+    <p:sldId id="283" r:id="rId23"/>
+    <p:sldId id="284" r:id="rId24"/>
+    <p:sldId id="285" r:id="rId25"/>
+    <p:sldId id="286" r:id="rId26"/>
+    <p:sldId id="258" r:id="rId27"/>
+    <p:sldId id="276" r:id="rId28"/>
+    <p:sldId id="259" r:id="rId29"/>
+    <p:sldId id="260" r:id="rId30"/>
+    <p:sldId id="277" r:id="rId31"/>
   </p:sldIdLst>
   <p:sldSz cx="12192000" cy="6858000"/>
   <p:notesSz cx="6858000" cy="9144000"/>
@@ -449,7 +458,7 @@
           <a:p>
             <a:fld id="{851CCAA1-7406-4F8E-9B33-E05E071D3AC9}" type="slidenum">
               <a:rPr lang="nl-BE" smtClean="0"/>
-              <a:t>‹#›</a:t>
+              <a:t>‹nr.›</a:t>
             </a:fld>
             <a:endParaRPr lang="nl-BE"/>
           </a:p>
@@ -787,7 +796,7 @@
           <a:p>
             <a:fld id="{851CCAA1-7406-4F8E-9B33-E05E071D3AC9}" type="slidenum">
               <a:rPr lang="nl-BE" smtClean="0"/>
-              <a:t>‹#›</a:t>
+              <a:t>‹nr.›</a:t>
             </a:fld>
             <a:endParaRPr lang="nl-BE"/>
           </a:p>
@@ -1188,7 +1197,7 @@
           <a:p>
             <a:fld id="{851CCAA1-7406-4F8E-9B33-E05E071D3AC9}" type="slidenum">
               <a:rPr lang="nl-BE" smtClean="0"/>
-              <a:t>‹#›</a:t>
+              <a:t>‹nr.›</a:t>
             </a:fld>
             <a:endParaRPr lang="nl-BE"/>
           </a:p>
@@ -1524,7 +1533,7 @@
           <a:p>
             <a:fld id="{851CCAA1-7406-4F8E-9B33-E05E071D3AC9}" type="slidenum">
               <a:rPr lang="nl-BE" smtClean="0"/>
-              <a:t>‹#›</a:t>
+              <a:t>‹nr.›</a:t>
             </a:fld>
             <a:endParaRPr lang="nl-BE"/>
           </a:p>
@@ -1844,7 +1853,7 @@
           <a:p>
             <a:fld id="{851CCAA1-7406-4F8E-9B33-E05E071D3AC9}" type="slidenum">
               <a:rPr lang="nl-BE" smtClean="0"/>
-              <a:t>‹#›</a:t>
+              <a:t>‹nr.›</a:t>
             </a:fld>
             <a:endParaRPr lang="nl-BE"/>
           </a:p>
@@ -2240,7 +2249,7 @@
           <a:p>
             <a:fld id="{851CCAA1-7406-4F8E-9B33-E05E071D3AC9}" type="slidenum">
               <a:rPr lang="nl-BE" smtClean="0"/>
-              <a:t>‹#›</a:t>
+              <a:t>‹nr.›</a:t>
             </a:fld>
             <a:endParaRPr lang="nl-BE"/>
           </a:p>
@@ -2492,7 +2501,7 @@
           <a:p>
             <a:fld id="{851CCAA1-7406-4F8E-9B33-E05E071D3AC9}" type="slidenum">
               <a:rPr lang="nl-BE" smtClean="0"/>
-              <a:t>‹#›</a:t>
+              <a:t>‹nr.›</a:t>
             </a:fld>
             <a:endParaRPr lang="nl-BE"/>
           </a:p>
@@ -2754,7 +2763,7 @@
           <a:p>
             <a:fld id="{851CCAA1-7406-4F8E-9B33-E05E071D3AC9}" type="slidenum">
               <a:rPr lang="nl-BE" smtClean="0"/>
-              <a:t>‹#›</a:t>
+              <a:t>‹nr.›</a:t>
             </a:fld>
             <a:endParaRPr lang="nl-BE"/>
           </a:p>
@@ -3016,7 +3025,7 @@
           <a:p>
             <a:fld id="{851CCAA1-7406-4F8E-9B33-E05E071D3AC9}" type="slidenum">
               <a:rPr lang="nl-BE" smtClean="0"/>
-              <a:t>‹#›</a:t>
+              <a:t>‹nr.›</a:t>
             </a:fld>
             <a:endParaRPr lang="nl-BE"/>
           </a:p>
@@ -3350,7 +3359,7 @@
           <a:p>
             <a:fld id="{851CCAA1-7406-4F8E-9B33-E05E071D3AC9}" type="slidenum">
               <a:rPr lang="nl-BE" smtClean="0"/>
-              <a:t>‹#›</a:t>
+              <a:t>‹nr.›</a:t>
             </a:fld>
             <a:endParaRPr lang="nl-BE"/>
           </a:p>
@@ -3673,7 +3682,7 @@
           <a:p>
             <a:fld id="{851CCAA1-7406-4F8E-9B33-E05E071D3AC9}" type="slidenum">
               <a:rPr lang="nl-BE" smtClean="0"/>
-              <a:t>‹#›</a:t>
+              <a:t>‹nr.›</a:t>
             </a:fld>
             <a:endParaRPr lang="nl-BE"/>
           </a:p>
@@ -4130,7 +4139,7 @@
           <a:p>
             <a:fld id="{851CCAA1-7406-4F8E-9B33-E05E071D3AC9}" type="slidenum">
               <a:rPr lang="nl-BE" smtClean="0"/>
-              <a:t>‹#›</a:t>
+              <a:t>‹nr.›</a:t>
             </a:fld>
             <a:endParaRPr lang="nl-BE"/>
           </a:p>
@@ -4330,7 +4339,7 @@
           <a:p>
             <a:fld id="{851CCAA1-7406-4F8E-9B33-E05E071D3AC9}" type="slidenum">
               <a:rPr lang="nl-BE" smtClean="0"/>
-              <a:t>‹#›</a:t>
+              <a:t>‹nr.›</a:t>
             </a:fld>
             <a:endParaRPr lang="nl-BE"/>
           </a:p>
@@ -4507,7 +4516,7 @@
           <a:p>
             <a:fld id="{851CCAA1-7406-4F8E-9B33-E05E071D3AC9}" type="slidenum">
               <a:rPr lang="nl-BE" smtClean="0"/>
-              <a:t>‹#›</a:t>
+              <a:t>‹nr.›</a:t>
             </a:fld>
             <a:endParaRPr lang="nl-BE"/>
           </a:p>
@@ -4840,7 +4849,7 @@
           <a:p>
             <a:fld id="{851CCAA1-7406-4F8E-9B33-E05E071D3AC9}" type="slidenum">
               <a:rPr lang="nl-BE" smtClean="0"/>
-              <a:t>‹#›</a:t>
+              <a:t>‹nr.›</a:t>
             </a:fld>
             <a:endParaRPr lang="nl-BE"/>
           </a:p>
@@ -5190,7 +5199,7 @@
           <a:p>
             <a:fld id="{851CCAA1-7406-4F8E-9B33-E05E071D3AC9}" type="slidenum">
               <a:rPr lang="nl-BE" smtClean="0"/>
-              <a:t>‹#›</a:t>
+              <a:t>‹nr.›</a:t>
             </a:fld>
             <a:endParaRPr lang="nl-BE"/>
           </a:p>
@@ -7254,7 +7263,7 @@
           <a:p>
             <a:fld id="{851CCAA1-7406-4F8E-9B33-E05E071D3AC9}" type="slidenum">
               <a:rPr lang="nl-BE" smtClean="0"/>
-              <a:t>‹#›</a:t>
+              <a:t>‹nr.›</a:t>
             </a:fld>
             <a:endParaRPr lang="nl-BE"/>
           </a:p>
@@ -8485,6 +8494,816 @@
       </p:grpSpPr>
       <p:sp>
         <p:nvSpPr>
+          <p:cNvPr id="2" name="Title 1"/>
+          <p:cNvSpPr>
+            <a:spLocks noGrp="1"/>
+          </p:cNvSpPr>
+          <p:nvPr>
+            <p:ph type="title"/>
+          </p:nvPr>
+        </p:nvSpPr>
+        <p:spPr/>
+        <p:txBody>
+          <a:bodyPr/>
+          <a:lstStyle/>
+          <a:p>
+            <a:r>
+              <a:rPr lang="nl-BE" dirty="0" smtClean="0"/>
+              <a:t>Login</a:t>
+            </a:r>
+            <a:endParaRPr lang="nl-BE" dirty="0"/>
+          </a:p>
+        </p:txBody>
+      </p:sp>
+      <p:pic>
+        <p:nvPicPr>
+          <p:cNvPr id="5" name="Tijdelijke aanduiding voor inhoud 4"/>
+          <p:cNvPicPr>
+            <a:picLocks noGrp="1" noChangeAspect="1"/>
+          </p:cNvPicPr>
+          <p:nvPr>
+            <p:ph idx="1"/>
+          </p:nvPr>
+        </p:nvPicPr>
+        <p:blipFill>
+          <a:blip r:embed="rId2" cstate="print">
+            <a:extLst>
+              <a:ext uri="{28A0092B-C50C-407E-A947-70E740481C1C}">
+                <a14:useLocalDpi xmlns:a14="http://schemas.microsoft.com/office/drawing/2010/main" val="0"/>
+              </a:ext>
+            </a:extLst>
+          </a:blip>
+          <a:stretch>
+            <a:fillRect/>
+          </a:stretch>
+        </p:blipFill>
+        <p:spPr>
+          <a:xfrm>
+            <a:off x="1379913" y="1344712"/>
+            <a:ext cx="9668397" cy="5438474"/>
+          </a:xfrm>
+        </p:spPr>
+      </p:pic>
+    </p:spTree>
+    <p:extLst>
+      <p:ext uri="{BB962C8B-B14F-4D97-AF65-F5344CB8AC3E}">
+        <p14:creationId xmlns:p14="http://schemas.microsoft.com/office/powerpoint/2010/main" val="609077203"/>
+      </p:ext>
+    </p:extLst>
+  </p:cSld>
+  <p:clrMapOvr>
+    <a:masterClrMapping/>
+  </p:clrMapOvr>
+</p:sld>
+</file>
+
+<file path=ppt/slides/slide18.xml><?xml version="1.0" encoding="utf-8"?>
+<p:sld xmlns:a="http://schemas.openxmlformats.org/drawingml/2006/main" xmlns:r="http://schemas.openxmlformats.org/officeDocument/2006/relationships" xmlns:p="http://schemas.openxmlformats.org/presentationml/2006/main">
+  <p:cSld>
+    <p:spTree>
+      <p:nvGrpSpPr>
+        <p:cNvPr id="1" name=""/>
+        <p:cNvGrpSpPr/>
+        <p:nvPr/>
+      </p:nvGrpSpPr>
+      <p:grpSpPr>
+        <a:xfrm>
+          <a:off x="0" y="0"/>
+          <a:ext cx="0" cy="0"/>
+          <a:chOff x="0" y="0"/>
+          <a:chExt cx="0" cy="0"/>
+        </a:xfrm>
+      </p:grpSpPr>
+      <p:sp>
+        <p:nvSpPr>
+          <p:cNvPr id="2" name="Title 1"/>
+          <p:cNvSpPr>
+            <a:spLocks noGrp="1"/>
+          </p:cNvSpPr>
+          <p:nvPr>
+            <p:ph type="title"/>
+          </p:nvPr>
+        </p:nvSpPr>
+        <p:spPr/>
+        <p:txBody>
+          <a:bodyPr/>
+          <a:lstStyle/>
+          <a:p>
+            <a:r>
+              <a:rPr lang="nl-BE" dirty="0" smtClean="0"/>
+              <a:t>Home</a:t>
+            </a:r>
+            <a:endParaRPr lang="nl-BE" dirty="0"/>
+          </a:p>
+        </p:txBody>
+      </p:sp>
+      <p:pic>
+        <p:nvPicPr>
+          <p:cNvPr id="5" name="Tijdelijke aanduiding voor inhoud 4"/>
+          <p:cNvPicPr>
+            <a:picLocks noGrp="1" noChangeAspect="1"/>
+          </p:cNvPicPr>
+          <p:nvPr>
+            <p:ph idx="1"/>
+          </p:nvPr>
+        </p:nvPicPr>
+        <p:blipFill>
+          <a:blip r:embed="rId2" cstate="print">
+            <a:extLst>
+              <a:ext uri="{28A0092B-C50C-407E-A947-70E740481C1C}">
+                <a14:useLocalDpi xmlns:a14="http://schemas.microsoft.com/office/drawing/2010/main" val="0"/>
+              </a:ext>
+            </a:extLst>
+          </a:blip>
+          <a:stretch>
+            <a:fillRect/>
+          </a:stretch>
+        </p:blipFill>
+        <p:spPr>
+          <a:xfrm>
+            <a:off x="922711" y="1528110"/>
+            <a:ext cx="9060873" cy="5096742"/>
+          </a:xfrm>
+        </p:spPr>
+      </p:pic>
+    </p:spTree>
+    <p:extLst>
+      <p:ext uri="{BB962C8B-B14F-4D97-AF65-F5344CB8AC3E}">
+        <p14:creationId xmlns:p14="http://schemas.microsoft.com/office/powerpoint/2010/main" val="4211553461"/>
+      </p:ext>
+    </p:extLst>
+  </p:cSld>
+  <p:clrMapOvr>
+    <a:masterClrMapping/>
+  </p:clrMapOvr>
+</p:sld>
+</file>
+
+<file path=ppt/slides/slide19.xml><?xml version="1.0" encoding="utf-8"?>
+<p:sld xmlns:a="http://schemas.openxmlformats.org/drawingml/2006/main" xmlns:r="http://schemas.openxmlformats.org/officeDocument/2006/relationships" xmlns:p="http://schemas.openxmlformats.org/presentationml/2006/main">
+  <p:cSld>
+    <p:spTree>
+      <p:nvGrpSpPr>
+        <p:cNvPr id="1" name=""/>
+        <p:cNvGrpSpPr/>
+        <p:nvPr/>
+      </p:nvGrpSpPr>
+      <p:grpSpPr>
+        <a:xfrm>
+          <a:off x="0" y="0"/>
+          <a:ext cx="0" cy="0"/>
+          <a:chOff x="0" y="0"/>
+          <a:chExt cx="0" cy="0"/>
+        </a:xfrm>
+      </p:grpSpPr>
+      <p:sp>
+        <p:nvSpPr>
+          <p:cNvPr id="2" name="Title 1"/>
+          <p:cNvSpPr>
+            <a:spLocks noGrp="1"/>
+          </p:cNvSpPr>
+          <p:nvPr>
+            <p:ph type="title"/>
+          </p:nvPr>
+        </p:nvSpPr>
+        <p:spPr/>
+        <p:txBody>
+          <a:bodyPr/>
+          <a:lstStyle/>
+          <a:p>
+            <a:r>
+              <a:rPr lang="nl-BE" dirty="0" smtClean="0"/>
+              <a:t>Organisaties</a:t>
+            </a:r>
+            <a:endParaRPr lang="nl-BE" dirty="0"/>
+          </a:p>
+        </p:txBody>
+      </p:sp>
+      <p:pic>
+        <p:nvPicPr>
+          <p:cNvPr id="5" name="Tijdelijke aanduiding voor inhoud 4"/>
+          <p:cNvPicPr>
+            <a:picLocks noGrp="1" noChangeAspect="1"/>
+          </p:cNvPicPr>
+          <p:nvPr>
+            <p:ph idx="1"/>
+          </p:nvPr>
+        </p:nvPicPr>
+        <p:blipFill>
+          <a:blip r:embed="rId2" cstate="print">
+            <a:extLst>
+              <a:ext uri="{28A0092B-C50C-407E-A947-70E740481C1C}">
+                <a14:useLocalDpi xmlns:a14="http://schemas.microsoft.com/office/drawing/2010/main" val="0"/>
+              </a:ext>
+            </a:extLst>
+          </a:blip>
+          <a:stretch>
+            <a:fillRect/>
+          </a:stretch>
+        </p:blipFill>
+        <p:spPr>
+          <a:xfrm>
+            <a:off x="1155469" y="1347308"/>
+            <a:ext cx="8969433" cy="5045307"/>
+          </a:xfrm>
+        </p:spPr>
+      </p:pic>
+    </p:spTree>
+    <p:extLst>
+      <p:ext uri="{BB962C8B-B14F-4D97-AF65-F5344CB8AC3E}">
+        <p14:creationId xmlns:p14="http://schemas.microsoft.com/office/powerpoint/2010/main" val="2351562368"/>
+      </p:ext>
+    </p:extLst>
+  </p:cSld>
+  <p:clrMapOvr>
+    <a:masterClrMapping/>
+  </p:clrMapOvr>
+</p:sld>
+</file>
+
+<file path=ppt/slides/slide2.xml><?xml version="1.0" encoding="utf-8"?>
+<p:sld xmlns:a="http://schemas.openxmlformats.org/drawingml/2006/main" xmlns:r="http://schemas.openxmlformats.org/officeDocument/2006/relationships" xmlns:p="http://schemas.openxmlformats.org/presentationml/2006/main">
+  <p:cSld>
+    <p:spTree>
+      <p:nvGrpSpPr>
+        <p:cNvPr id="1" name=""/>
+        <p:cNvGrpSpPr/>
+        <p:nvPr/>
+      </p:nvGrpSpPr>
+      <p:grpSpPr>
+        <a:xfrm>
+          <a:off x="0" y="0"/>
+          <a:ext cx="0" cy="0"/>
+          <a:chOff x="0" y="0"/>
+          <a:chExt cx="0" cy="0"/>
+        </a:xfrm>
+      </p:grpSpPr>
+      <p:sp>
+        <p:nvSpPr>
+          <p:cNvPr id="2" name="Title 1"/>
+          <p:cNvSpPr>
+            <a:spLocks noGrp="1"/>
+          </p:cNvSpPr>
+          <p:nvPr>
+            <p:ph type="title"/>
+          </p:nvPr>
+        </p:nvSpPr>
+        <p:spPr/>
+        <p:txBody>
+          <a:bodyPr/>
+          <a:lstStyle/>
+          <a:p>
+            <a:r>
+              <a:rPr lang="nl-BE" dirty="0" smtClean="0"/>
+              <a:t>Probleemstelling</a:t>
+            </a:r>
+            <a:endParaRPr lang="nl-BE" dirty="0"/>
+          </a:p>
+        </p:txBody>
+      </p:sp>
+      <p:sp>
+        <p:nvSpPr>
+          <p:cNvPr id="3" name="Text Placeholder 2"/>
+          <p:cNvSpPr>
+            <a:spLocks noGrp="1"/>
+          </p:cNvSpPr>
+          <p:nvPr>
+            <p:ph type="body" idx="1"/>
+          </p:nvPr>
+        </p:nvSpPr>
+        <p:spPr/>
+        <p:txBody>
+          <a:bodyPr/>
+          <a:lstStyle/>
+          <a:p>
+            <a:endParaRPr lang="nl-BE"/>
+          </a:p>
+        </p:txBody>
+      </p:sp>
+    </p:spTree>
+    <p:extLst>
+      <p:ext uri="{BB962C8B-B14F-4D97-AF65-F5344CB8AC3E}">
+        <p14:creationId xmlns:p14="http://schemas.microsoft.com/office/powerpoint/2010/main" val="1548814214"/>
+      </p:ext>
+    </p:extLst>
+  </p:cSld>
+  <p:clrMapOvr>
+    <a:masterClrMapping/>
+  </p:clrMapOvr>
+</p:sld>
+</file>
+
+<file path=ppt/slides/slide20.xml><?xml version="1.0" encoding="utf-8"?>
+<p:sld xmlns:a="http://schemas.openxmlformats.org/drawingml/2006/main" xmlns:r="http://schemas.openxmlformats.org/officeDocument/2006/relationships" xmlns:p="http://schemas.openxmlformats.org/presentationml/2006/main">
+  <p:cSld>
+    <p:spTree>
+      <p:nvGrpSpPr>
+        <p:cNvPr id="1" name=""/>
+        <p:cNvGrpSpPr/>
+        <p:nvPr/>
+      </p:nvGrpSpPr>
+      <p:grpSpPr>
+        <a:xfrm>
+          <a:off x="0" y="0"/>
+          <a:ext cx="0" cy="0"/>
+          <a:chOff x="0" y="0"/>
+          <a:chExt cx="0" cy="0"/>
+        </a:xfrm>
+      </p:grpSpPr>
+      <p:sp>
+        <p:nvSpPr>
+          <p:cNvPr id="2" name="Title 1"/>
+          <p:cNvSpPr>
+            <a:spLocks noGrp="1"/>
+          </p:cNvSpPr>
+          <p:nvPr>
+            <p:ph type="title"/>
+          </p:nvPr>
+        </p:nvSpPr>
+        <p:spPr/>
+        <p:txBody>
+          <a:bodyPr/>
+          <a:lstStyle/>
+          <a:p>
+            <a:r>
+              <a:rPr lang="nl-BE" dirty="0" smtClean="0"/>
+              <a:t>Artikels</a:t>
+            </a:r>
+            <a:endParaRPr lang="nl-BE" dirty="0"/>
+          </a:p>
+        </p:txBody>
+      </p:sp>
+      <p:pic>
+        <p:nvPicPr>
+          <p:cNvPr id="5" name="Tijdelijke aanduiding voor inhoud 4"/>
+          <p:cNvPicPr>
+            <a:picLocks noGrp="1" noChangeAspect="1"/>
+          </p:cNvPicPr>
+          <p:nvPr>
+            <p:ph idx="1"/>
+          </p:nvPr>
+        </p:nvPicPr>
+        <p:blipFill>
+          <a:blip r:embed="rId2" cstate="print">
+            <a:extLst>
+              <a:ext uri="{28A0092B-C50C-407E-A947-70E740481C1C}">
+                <a14:useLocalDpi xmlns:a14="http://schemas.microsoft.com/office/drawing/2010/main" val="0"/>
+              </a:ext>
+            </a:extLst>
+          </a:blip>
+          <a:stretch>
+            <a:fillRect/>
+          </a:stretch>
+        </p:blipFill>
+        <p:spPr>
+          <a:xfrm>
+            <a:off x="1230284" y="1773856"/>
+            <a:ext cx="8302237" cy="4670009"/>
+          </a:xfrm>
+        </p:spPr>
+      </p:pic>
+    </p:spTree>
+    <p:extLst>
+      <p:ext uri="{BB962C8B-B14F-4D97-AF65-F5344CB8AC3E}">
+        <p14:creationId xmlns:p14="http://schemas.microsoft.com/office/powerpoint/2010/main" val="3217934749"/>
+      </p:ext>
+    </p:extLst>
+  </p:cSld>
+  <p:clrMapOvr>
+    <a:masterClrMapping/>
+  </p:clrMapOvr>
+</p:sld>
+</file>
+
+<file path=ppt/slides/slide21.xml><?xml version="1.0" encoding="utf-8"?>
+<p:sld xmlns:a="http://schemas.openxmlformats.org/drawingml/2006/main" xmlns:r="http://schemas.openxmlformats.org/officeDocument/2006/relationships" xmlns:p="http://schemas.openxmlformats.org/presentationml/2006/main">
+  <p:cSld>
+    <p:spTree>
+      <p:nvGrpSpPr>
+        <p:cNvPr id="1" name=""/>
+        <p:cNvGrpSpPr/>
+        <p:nvPr/>
+      </p:nvGrpSpPr>
+      <p:grpSpPr>
+        <a:xfrm>
+          <a:off x="0" y="0"/>
+          <a:ext cx="0" cy="0"/>
+          <a:chOff x="0" y="0"/>
+          <a:chExt cx="0" cy="0"/>
+        </a:xfrm>
+      </p:grpSpPr>
+      <p:sp>
+        <p:nvSpPr>
+          <p:cNvPr id="2" name="Title 1"/>
+          <p:cNvSpPr>
+            <a:spLocks noGrp="1"/>
+          </p:cNvSpPr>
+          <p:nvPr>
+            <p:ph type="title"/>
+          </p:nvPr>
+        </p:nvSpPr>
+        <p:spPr/>
+        <p:txBody>
+          <a:bodyPr/>
+          <a:lstStyle/>
+          <a:p>
+            <a:r>
+              <a:rPr lang="nl-BE" dirty="0" smtClean="0"/>
+              <a:t>Statistieken</a:t>
+            </a:r>
+            <a:endParaRPr lang="nl-BE" dirty="0"/>
+          </a:p>
+        </p:txBody>
+      </p:sp>
+      <p:pic>
+        <p:nvPicPr>
+          <p:cNvPr id="5" name="Tijdelijke aanduiding voor inhoud 4"/>
+          <p:cNvPicPr>
+            <a:picLocks noGrp="1" noChangeAspect="1"/>
+          </p:cNvPicPr>
+          <p:nvPr>
+            <p:ph idx="1"/>
+          </p:nvPr>
+        </p:nvPicPr>
+        <p:blipFill>
+          <a:blip r:embed="rId2" cstate="print">
+            <a:extLst>
+              <a:ext uri="{28A0092B-C50C-407E-A947-70E740481C1C}">
+                <a14:useLocalDpi xmlns:a14="http://schemas.microsoft.com/office/drawing/2010/main" val="0"/>
+              </a:ext>
+            </a:extLst>
+          </a:blip>
+          <a:stretch>
+            <a:fillRect/>
+          </a:stretch>
+        </p:blipFill>
+        <p:spPr>
+          <a:xfrm>
+            <a:off x="1338348" y="1459530"/>
+            <a:ext cx="8886307" cy="4998549"/>
+          </a:xfrm>
+        </p:spPr>
+      </p:pic>
+    </p:spTree>
+    <p:extLst>
+      <p:ext uri="{BB962C8B-B14F-4D97-AF65-F5344CB8AC3E}">
+        <p14:creationId xmlns:p14="http://schemas.microsoft.com/office/powerpoint/2010/main" val="1433899955"/>
+      </p:ext>
+    </p:extLst>
+  </p:cSld>
+  <p:clrMapOvr>
+    <a:masterClrMapping/>
+  </p:clrMapOvr>
+</p:sld>
+</file>
+
+<file path=ppt/slides/slide22.xml><?xml version="1.0" encoding="utf-8"?>
+<p:sld xmlns:a="http://schemas.openxmlformats.org/drawingml/2006/main" xmlns:r="http://schemas.openxmlformats.org/officeDocument/2006/relationships" xmlns:p="http://schemas.openxmlformats.org/presentationml/2006/main">
+  <p:cSld>
+    <p:spTree>
+      <p:nvGrpSpPr>
+        <p:cNvPr id="1" name=""/>
+        <p:cNvGrpSpPr/>
+        <p:nvPr/>
+      </p:nvGrpSpPr>
+      <p:grpSpPr>
+        <a:xfrm>
+          <a:off x="0" y="0"/>
+          <a:ext cx="0" cy="0"/>
+          <a:chOff x="0" y="0"/>
+          <a:chExt cx="0" cy="0"/>
+        </a:xfrm>
+      </p:grpSpPr>
+      <p:sp>
+        <p:nvSpPr>
+          <p:cNvPr id="2" name="Title 1"/>
+          <p:cNvSpPr>
+            <a:spLocks noGrp="1"/>
+          </p:cNvSpPr>
+          <p:nvPr>
+            <p:ph type="title"/>
+          </p:nvPr>
+        </p:nvSpPr>
+        <p:spPr/>
+        <p:txBody>
+          <a:bodyPr/>
+          <a:lstStyle/>
+          <a:p>
+            <a:r>
+              <a:rPr lang="nl-BE" dirty="0" smtClean="0"/>
+              <a:t>Gebruikers</a:t>
+            </a:r>
+            <a:endParaRPr lang="nl-BE" dirty="0"/>
+          </a:p>
+        </p:txBody>
+      </p:sp>
+      <p:pic>
+        <p:nvPicPr>
+          <p:cNvPr id="5" name="Tijdelijke aanduiding voor inhoud 4"/>
+          <p:cNvPicPr>
+            <a:picLocks noGrp="1" noChangeAspect="1"/>
+          </p:cNvPicPr>
+          <p:nvPr>
+            <p:ph idx="1"/>
+          </p:nvPr>
+        </p:nvPicPr>
+        <p:blipFill>
+          <a:blip r:embed="rId2" cstate="print">
+            <a:extLst>
+              <a:ext uri="{28A0092B-C50C-407E-A947-70E740481C1C}">
+                <a14:useLocalDpi xmlns:a14="http://schemas.microsoft.com/office/drawing/2010/main" val="0"/>
+              </a:ext>
+            </a:extLst>
+          </a:blip>
+          <a:stretch>
+            <a:fillRect/>
+          </a:stretch>
+        </p:blipFill>
+        <p:spPr>
+          <a:xfrm>
+            <a:off x="1620981" y="1264555"/>
+            <a:ext cx="9101545" cy="5119620"/>
+          </a:xfrm>
+        </p:spPr>
+      </p:pic>
+    </p:spTree>
+    <p:extLst>
+      <p:ext uri="{BB962C8B-B14F-4D97-AF65-F5344CB8AC3E}">
+        <p14:creationId xmlns:p14="http://schemas.microsoft.com/office/powerpoint/2010/main" val="479062559"/>
+      </p:ext>
+    </p:extLst>
+  </p:cSld>
+  <p:clrMapOvr>
+    <a:masterClrMapping/>
+  </p:clrMapOvr>
+</p:sld>
+</file>
+
+<file path=ppt/slides/slide23.xml><?xml version="1.0" encoding="utf-8"?>
+<p:sld xmlns:a="http://schemas.openxmlformats.org/drawingml/2006/main" xmlns:r="http://schemas.openxmlformats.org/officeDocument/2006/relationships" xmlns:p="http://schemas.openxmlformats.org/presentationml/2006/main">
+  <p:cSld>
+    <p:spTree>
+      <p:nvGrpSpPr>
+        <p:cNvPr id="1" name=""/>
+        <p:cNvGrpSpPr/>
+        <p:nvPr/>
+      </p:nvGrpSpPr>
+      <p:grpSpPr>
+        <a:xfrm>
+          <a:off x="0" y="0"/>
+          <a:ext cx="0" cy="0"/>
+          <a:chOff x="0" y="0"/>
+          <a:chExt cx="0" cy="0"/>
+        </a:xfrm>
+      </p:grpSpPr>
+      <p:sp>
+        <p:nvSpPr>
+          <p:cNvPr id="2" name="Title 1"/>
+          <p:cNvSpPr>
+            <a:spLocks noGrp="1"/>
+          </p:cNvSpPr>
+          <p:nvPr>
+            <p:ph type="title"/>
+          </p:nvPr>
+        </p:nvSpPr>
+        <p:spPr/>
+        <p:txBody>
+          <a:bodyPr/>
+          <a:lstStyle/>
+          <a:p>
+            <a:r>
+              <a:rPr lang="nl-BE" dirty="0" smtClean="0"/>
+              <a:t>Beheer organisaties</a:t>
+            </a:r>
+            <a:endParaRPr lang="nl-BE" dirty="0"/>
+          </a:p>
+        </p:txBody>
+      </p:sp>
+      <p:pic>
+        <p:nvPicPr>
+          <p:cNvPr id="5" name="Tijdelijke aanduiding voor inhoud 4"/>
+          <p:cNvPicPr>
+            <a:picLocks noGrp="1" noChangeAspect="1"/>
+          </p:cNvPicPr>
+          <p:nvPr>
+            <p:ph idx="1"/>
+          </p:nvPr>
+        </p:nvPicPr>
+        <p:blipFill>
+          <a:blip r:embed="rId2" cstate="print">
+            <a:extLst>
+              <a:ext uri="{28A0092B-C50C-407E-A947-70E740481C1C}">
+                <a14:useLocalDpi xmlns:a14="http://schemas.microsoft.com/office/drawing/2010/main" val="0"/>
+              </a:ext>
+            </a:extLst>
+          </a:blip>
+          <a:stretch>
+            <a:fillRect/>
+          </a:stretch>
+        </p:blipFill>
+        <p:spPr>
+          <a:xfrm>
+            <a:off x="1654233" y="1452776"/>
+            <a:ext cx="9077270" cy="5105965"/>
+          </a:xfrm>
+        </p:spPr>
+      </p:pic>
+    </p:spTree>
+    <p:extLst>
+      <p:ext uri="{BB962C8B-B14F-4D97-AF65-F5344CB8AC3E}">
+        <p14:creationId xmlns:p14="http://schemas.microsoft.com/office/powerpoint/2010/main" val="2040347557"/>
+      </p:ext>
+    </p:extLst>
+  </p:cSld>
+  <p:clrMapOvr>
+    <a:masterClrMapping/>
+  </p:clrMapOvr>
+</p:sld>
+</file>
+
+<file path=ppt/slides/slide24.xml><?xml version="1.0" encoding="utf-8"?>
+<p:sld xmlns:a="http://schemas.openxmlformats.org/drawingml/2006/main" xmlns:r="http://schemas.openxmlformats.org/officeDocument/2006/relationships" xmlns:p="http://schemas.openxmlformats.org/presentationml/2006/main">
+  <p:cSld>
+    <p:spTree>
+      <p:nvGrpSpPr>
+        <p:cNvPr id="1" name=""/>
+        <p:cNvGrpSpPr/>
+        <p:nvPr/>
+      </p:nvGrpSpPr>
+      <p:grpSpPr>
+        <a:xfrm>
+          <a:off x="0" y="0"/>
+          <a:ext cx="0" cy="0"/>
+          <a:chOff x="0" y="0"/>
+          <a:chExt cx="0" cy="0"/>
+        </a:xfrm>
+      </p:grpSpPr>
+      <p:sp>
+        <p:nvSpPr>
+          <p:cNvPr id="2" name="Title 1"/>
+          <p:cNvSpPr>
+            <a:spLocks noGrp="1"/>
+          </p:cNvSpPr>
+          <p:nvPr>
+            <p:ph type="title"/>
+          </p:nvPr>
+        </p:nvSpPr>
+        <p:spPr/>
+        <p:txBody>
+          <a:bodyPr/>
+          <a:lstStyle/>
+          <a:p>
+            <a:r>
+              <a:rPr lang="nl-BE" dirty="0" smtClean="0"/>
+              <a:t>Beheer evenementen</a:t>
+            </a:r>
+            <a:endParaRPr lang="nl-BE" dirty="0"/>
+          </a:p>
+        </p:txBody>
+      </p:sp>
+      <p:pic>
+        <p:nvPicPr>
+          <p:cNvPr id="5" name="Tijdelijke aanduiding voor inhoud 4"/>
+          <p:cNvPicPr>
+            <a:picLocks noGrp="1" noChangeAspect="1"/>
+          </p:cNvPicPr>
+          <p:nvPr>
+            <p:ph idx="1"/>
+          </p:nvPr>
+        </p:nvPicPr>
+        <p:blipFill>
+          <a:blip r:embed="rId2" cstate="print">
+            <a:extLst>
+              <a:ext uri="{28A0092B-C50C-407E-A947-70E740481C1C}">
+                <a14:useLocalDpi xmlns:a14="http://schemas.microsoft.com/office/drawing/2010/main" val="0"/>
+              </a:ext>
+            </a:extLst>
+          </a:blip>
+          <a:stretch>
+            <a:fillRect/>
+          </a:stretch>
+        </p:blipFill>
+        <p:spPr>
+          <a:xfrm>
+            <a:off x="1271847" y="1387314"/>
+            <a:ext cx="9227128" cy="5190261"/>
+          </a:xfrm>
+        </p:spPr>
+      </p:pic>
+    </p:spTree>
+    <p:extLst>
+      <p:ext uri="{BB962C8B-B14F-4D97-AF65-F5344CB8AC3E}">
+        <p14:creationId xmlns:p14="http://schemas.microsoft.com/office/powerpoint/2010/main" val="3907500239"/>
+      </p:ext>
+    </p:extLst>
+  </p:cSld>
+  <p:clrMapOvr>
+    <a:masterClrMapping/>
+  </p:clrMapOvr>
+</p:sld>
+</file>
+
+<file path=ppt/slides/slide25.xml><?xml version="1.0" encoding="utf-8"?>
+<p:sld xmlns:a="http://schemas.openxmlformats.org/drawingml/2006/main" xmlns:r="http://schemas.openxmlformats.org/officeDocument/2006/relationships" xmlns:p="http://schemas.openxmlformats.org/presentationml/2006/main">
+  <p:cSld>
+    <p:spTree>
+      <p:nvGrpSpPr>
+        <p:cNvPr id="1" name=""/>
+        <p:cNvGrpSpPr/>
+        <p:nvPr/>
+      </p:nvGrpSpPr>
+      <p:grpSpPr>
+        <a:xfrm>
+          <a:off x="0" y="0"/>
+          <a:ext cx="0" cy="0"/>
+          <a:chOff x="0" y="0"/>
+          <a:chExt cx="0" cy="0"/>
+        </a:xfrm>
+      </p:grpSpPr>
+      <p:sp>
+        <p:nvSpPr>
+          <p:cNvPr id="2" name="Title 1"/>
+          <p:cNvSpPr>
+            <a:spLocks noGrp="1"/>
+          </p:cNvSpPr>
+          <p:nvPr>
+            <p:ph type="title"/>
+          </p:nvPr>
+        </p:nvSpPr>
+        <p:spPr/>
+        <p:txBody>
+          <a:bodyPr/>
+          <a:lstStyle/>
+          <a:p>
+            <a:r>
+              <a:rPr lang="nl-BE" dirty="0" smtClean="0"/>
+              <a:t>Login overzicht</a:t>
+            </a:r>
+            <a:endParaRPr lang="nl-BE" dirty="0"/>
+          </a:p>
+        </p:txBody>
+      </p:sp>
+      <p:pic>
+        <p:nvPicPr>
+          <p:cNvPr id="5" name="Tijdelijke aanduiding voor inhoud 4"/>
+          <p:cNvPicPr>
+            <a:picLocks noGrp="1" noChangeAspect="1"/>
+          </p:cNvPicPr>
+          <p:nvPr>
+            <p:ph idx="1"/>
+          </p:nvPr>
+        </p:nvPicPr>
+        <p:blipFill>
+          <a:blip r:embed="rId2" cstate="print">
+            <a:extLst>
+              <a:ext uri="{28A0092B-C50C-407E-A947-70E740481C1C}">
+                <a14:useLocalDpi xmlns:a14="http://schemas.microsoft.com/office/drawing/2010/main" val="0"/>
+              </a:ext>
+            </a:extLst>
+          </a:blip>
+          <a:stretch>
+            <a:fillRect/>
+          </a:stretch>
+        </p:blipFill>
+        <p:spPr>
+          <a:xfrm>
+            <a:off x="1346662" y="1545256"/>
+            <a:ext cx="8634746" cy="4857045"/>
+          </a:xfrm>
+        </p:spPr>
+      </p:pic>
+    </p:spTree>
+    <p:extLst>
+      <p:ext uri="{BB962C8B-B14F-4D97-AF65-F5344CB8AC3E}">
+        <p14:creationId xmlns:p14="http://schemas.microsoft.com/office/powerpoint/2010/main" val="1313171673"/>
+      </p:ext>
+    </p:extLst>
+  </p:cSld>
+  <p:clrMapOvr>
+    <a:masterClrMapping/>
+  </p:clrMapOvr>
+</p:sld>
+</file>
+
+<file path=ppt/slides/slide26.xml><?xml version="1.0" encoding="utf-8"?>
+<p:sld xmlns:a="http://schemas.openxmlformats.org/drawingml/2006/main" xmlns:r="http://schemas.openxmlformats.org/officeDocument/2006/relationships" xmlns:p="http://schemas.openxmlformats.org/presentationml/2006/main">
+  <p:cSld>
+    <p:spTree>
+      <p:nvGrpSpPr>
+        <p:cNvPr id="1" name=""/>
+        <p:cNvGrpSpPr/>
+        <p:nvPr/>
+      </p:nvGrpSpPr>
+      <p:grpSpPr>
+        <a:xfrm>
+          <a:off x="0" y="0"/>
+          <a:ext cx="0" cy="0"/>
+          <a:chOff x="0" y="0"/>
+          <a:chExt cx="0" cy="0"/>
+        </a:xfrm>
+      </p:grpSpPr>
+      <p:sp>
+        <p:nvSpPr>
           <p:cNvPr id="2" name="Titel 1"/>
           <p:cNvSpPr>
             <a:spLocks noGrp="1"/>
@@ -8586,7 +9405,7 @@
 </p:sld>
 </file>
 
-<file path=ppt/slides/slide18.xml><?xml version="1.0" encoding="utf-8"?>
+<file path=ppt/slides/slide27.xml><?xml version="1.0" encoding="utf-8"?>
 <p:sld xmlns:a="http://schemas.openxmlformats.org/drawingml/2006/main" xmlns:r="http://schemas.openxmlformats.org/officeDocument/2006/relationships" xmlns:p="http://schemas.openxmlformats.org/presentationml/2006/main">
   <p:cSld>
     <p:spTree>
@@ -8658,7 +9477,7 @@
 </p:sld>
 </file>
 
-<file path=ppt/slides/slide19.xml><?xml version="1.0" encoding="utf-8"?>
+<file path=ppt/slides/slide28.xml><?xml version="1.0" encoding="utf-8"?>
 <p:sld xmlns:a="http://schemas.openxmlformats.org/drawingml/2006/main" xmlns:r="http://schemas.openxmlformats.org/officeDocument/2006/relationships" xmlns:p="http://schemas.openxmlformats.org/presentationml/2006/main">
   <p:cSld>
     <p:spTree>
@@ -8834,7 +9653,7 @@
 </p:sld>
 </file>
 
-<file path=ppt/slides/slide2.xml><?xml version="1.0" encoding="utf-8"?>
+<file path=ppt/slides/slide29.xml><?xml version="1.0" encoding="utf-8"?>
 <p:sld xmlns:a="http://schemas.openxmlformats.org/drawingml/2006/main" xmlns:r="http://schemas.openxmlformats.org/officeDocument/2006/relationships" xmlns:p="http://schemas.openxmlformats.org/presentationml/2006/main">
   <p:cSld>
     <p:spTree>
@@ -8853,78 +9672,6 @@
       </p:grpSpPr>
       <p:sp>
         <p:nvSpPr>
-          <p:cNvPr id="2" name="Title 1"/>
-          <p:cNvSpPr>
-            <a:spLocks noGrp="1"/>
-          </p:cNvSpPr>
-          <p:nvPr>
-            <p:ph type="title"/>
-          </p:nvPr>
-        </p:nvSpPr>
-        <p:spPr/>
-        <p:txBody>
-          <a:bodyPr/>
-          <a:lstStyle/>
-          <a:p>
-            <a:r>
-              <a:rPr lang="nl-BE" dirty="0" smtClean="0"/>
-              <a:t>Probleemstelling</a:t>
-            </a:r>
-            <a:endParaRPr lang="nl-BE" dirty="0"/>
-          </a:p>
-        </p:txBody>
-      </p:sp>
-      <p:sp>
-        <p:nvSpPr>
-          <p:cNvPr id="3" name="Text Placeholder 2"/>
-          <p:cNvSpPr>
-            <a:spLocks noGrp="1"/>
-          </p:cNvSpPr>
-          <p:nvPr>
-            <p:ph type="body" idx="1"/>
-          </p:nvPr>
-        </p:nvSpPr>
-        <p:spPr/>
-        <p:txBody>
-          <a:bodyPr/>
-          <a:lstStyle/>
-          <a:p>
-            <a:endParaRPr lang="nl-BE"/>
-          </a:p>
-        </p:txBody>
-      </p:sp>
-    </p:spTree>
-    <p:extLst>
-      <p:ext uri="{BB962C8B-B14F-4D97-AF65-F5344CB8AC3E}">
-        <p14:creationId xmlns:p14="http://schemas.microsoft.com/office/powerpoint/2010/main" val="1548814214"/>
-      </p:ext>
-    </p:extLst>
-  </p:cSld>
-  <p:clrMapOvr>
-    <a:masterClrMapping/>
-  </p:clrMapOvr>
-</p:sld>
-</file>
-
-<file path=ppt/slides/slide20.xml><?xml version="1.0" encoding="utf-8"?>
-<p:sld xmlns:a="http://schemas.openxmlformats.org/drawingml/2006/main" xmlns:r="http://schemas.openxmlformats.org/officeDocument/2006/relationships" xmlns:p="http://schemas.openxmlformats.org/presentationml/2006/main">
-  <p:cSld>
-    <p:spTree>
-      <p:nvGrpSpPr>
-        <p:cNvPr id="1" name=""/>
-        <p:cNvGrpSpPr/>
-        <p:nvPr/>
-      </p:nvGrpSpPr>
-      <p:grpSpPr>
-        <a:xfrm>
-          <a:off x="0" y="0"/>
-          <a:ext cx="0" cy="0"/>
-          <a:chOff x="0" y="0"/>
-          <a:chExt cx="0" cy="0"/>
-        </a:xfrm>
-      </p:grpSpPr>
-      <p:sp>
-        <p:nvSpPr>
           <p:cNvPr id="2" name="Titel 1"/>
           <p:cNvSpPr>
             <a:spLocks noGrp="1"/>
@@ -8975,11 +9722,7 @@
           <a:p>
             <a:r>
               <a:rPr lang="nl-BE" dirty="0" smtClean="0"/>
-              <a:t>Comfort </a:t>
-            </a:r>
-            <a:r>
-              <a:rPr lang="nl-BE" dirty="0" smtClean="0"/>
-              <a:t>zone</a:t>
+              <a:t>Comfort zone</a:t>
             </a:r>
           </a:p>
           <a:p>
@@ -9017,82 +9760,6 @@
 </p:sld>
 </file>
 
-<file path=ppt/slides/slide21.xml><?xml version="1.0" encoding="utf-8"?>
-<p:sld xmlns:a="http://schemas.openxmlformats.org/drawingml/2006/main" xmlns:r="http://schemas.openxmlformats.org/officeDocument/2006/relationships" xmlns:p="http://schemas.openxmlformats.org/presentationml/2006/main">
-  <p:cSld>
-    <p:spTree>
-      <p:nvGrpSpPr>
-        <p:cNvPr id="1" name=""/>
-        <p:cNvGrpSpPr/>
-        <p:nvPr/>
-      </p:nvGrpSpPr>
-      <p:grpSpPr>
-        <a:xfrm>
-          <a:off x="0" y="0"/>
-          <a:ext cx="0" cy="0"/>
-          <a:chOff x="0" y="0"/>
-          <a:chExt cx="0" cy="0"/>
-        </a:xfrm>
-      </p:grpSpPr>
-      <p:sp>
-        <p:nvSpPr>
-          <p:cNvPr id="2" name="Title 1"/>
-          <p:cNvSpPr>
-            <a:spLocks noGrp="1"/>
-          </p:cNvSpPr>
-          <p:nvPr>
-            <p:ph type="title"/>
-          </p:nvPr>
-        </p:nvSpPr>
-        <p:spPr/>
-        <p:txBody>
-          <a:bodyPr/>
-          <a:lstStyle/>
-          <a:p>
-            <a:r>
-              <a:rPr lang="nl-BE" dirty="0" smtClean="0"/>
-              <a:t>Einde</a:t>
-            </a:r>
-            <a:endParaRPr lang="nl-BE" dirty="0"/>
-          </a:p>
-        </p:txBody>
-      </p:sp>
-      <p:sp>
-        <p:nvSpPr>
-          <p:cNvPr id="3" name="Text Placeholder 2"/>
-          <p:cNvSpPr>
-            <a:spLocks noGrp="1"/>
-          </p:cNvSpPr>
-          <p:nvPr>
-            <p:ph type="body" idx="1"/>
-          </p:nvPr>
-        </p:nvSpPr>
-        <p:spPr/>
-        <p:txBody>
-          <a:bodyPr/>
-          <a:lstStyle/>
-          <a:p>
-            <a:r>
-              <a:rPr lang="nl-BE" dirty="0" smtClean="0"/>
-              <a:t>Bedant voor uw aandacht.</a:t>
-            </a:r>
-            <a:endParaRPr lang="nl-BE" dirty="0"/>
-          </a:p>
-        </p:txBody>
-      </p:sp>
-    </p:spTree>
-    <p:extLst>
-      <p:ext uri="{BB962C8B-B14F-4D97-AF65-F5344CB8AC3E}">
-        <p14:creationId xmlns:p14="http://schemas.microsoft.com/office/powerpoint/2010/main" val="2560053426"/>
-      </p:ext>
-    </p:extLst>
-  </p:cSld>
-  <p:clrMapOvr>
-    <a:masterClrMapping/>
-  </p:clrMapOvr>
-</p:sld>
-</file>
-
 <file path=ppt/slides/slide3.xml><?xml version="1.0" encoding="utf-8"?>
 <p:sld xmlns:a="http://schemas.openxmlformats.org/drawingml/2006/main" xmlns:r="http://schemas.openxmlformats.org/officeDocument/2006/relationships" xmlns:p="http://schemas.openxmlformats.org/presentationml/2006/main">
   <p:cSld>
@@ -9203,6 +9870,82 @@
       </p:par>
     </p:tnLst>
   </p:timing>
+</p:sld>
+</file>
+
+<file path=ppt/slides/slide30.xml><?xml version="1.0" encoding="utf-8"?>
+<p:sld xmlns:a="http://schemas.openxmlformats.org/drawingml/2006/main" xmlns:r="http://schemas.openxmlformats.org/officeDocument/2006/relationships" xmlns:p="http://schemas.openxmlformats.org/presentationml/2006/main">
+  <p:cSld>
+    <p:spTree>
+      <p:nvGrpSpPr>
+        <p:cNvPr id="1" name=""/>
+        <p:cNvGrpSpPr/>
+        <p:nvPr/>
+      </p:nvGrpSpPr>
+      <p:grpSpPr>
+        <a:xfrm>
+          <a:off x="0" y="0"/>
+          <a:ext cx="0" cy="0"/>
+          <a:chOff x="0" y="0"/>
+          <a:chExt cx="0" cy="0"/>
+        </a:xfrm>
+      </p:grpSpPr>
+      <p:sp>
+        <p:nvSpPr>
+          <p:cNvPr id="2" name="Title 1"/>
+          <p:cNvSpPr>
+            <a:spLocks noGrp="1"/>
+          </p:cNvSpPr>
+          <p:nvPr>
+            <p:ph type="title"/>
+          </p:nvPr>
+        </p:nvSpPr>
+        <p:spPr/>
+        <p:txBody>
+          <a:bodyPr/>
+          <a:lstStyle/>
+          <a:p>
+            <a:r>
+              <a:rPr lang="nl-BE" dirty="0" smtClean="0"/>
+              <a:t>Einde</a:t>
+            </a:r>
+            <a:endParaRPr lang="nl-BE" dirty="0"/>
+          </a:p>
+        </p:txBody>
+      </p:sp>
+      <p:sp>
+        <p:nvSpPr>
+          <p:cNvPr id="3" name="Text Placeholder 2"/>
+          <p:cNvSpPr>
+            <a:spLocks noGrp="1"/>
+          </p:cNvSpPr>
+          <p:nvPr>
+            <p:ph type="body" idx="1"/>
+          </p:nvPr>
+        </p:nvSpPr>
+        <p:spPr/>
+        <p:txBody>
+          <a:bodyPr/>
+          <a:lstStyle/>
+          <a:p>
+            <a:r>
+              <a:rPr lang="nl-BE" dirty="0" smtClean="0"/>
+              <a:t>Bedant voor uw aandacht.</a:t>
+            </a:r>
+            <a:endParaRPr lang="nl-BE" dirty="0"/>
+          </a:p>
+        </p:txBody>
+      </p:sp>
+    </p:spTree>
+    <p:extLst>
+      <p:ext uri="{BB962C8B-B14F-4D97-AF65-F5344CB8AC3E}">
+        <p14:creationId xmlns:p14="http://schemas.microsoft.com/office/powerpoint/2010/main" val="2560053426"/>
+      </p:ext>
+    </p:extLst>
+  </p:cSld>
+  <p:clrMapOvr>
+    <a:masterClrMapping/>
+  </p:clrMapOvr>
 </p:sld>
 </file>
 

--- a/presentation/Project AppDev.pptx
+++ b/presentation/Project AppDev.pptx
@@ -329,7 +329,7 @@
           <a:p>
             <a:fld id="{098228C1-C90F-4B81-8A57-5C74D949BE77}" type="datetimeFigureOut">
               <a:rPr lang="nl-BE" smtClean="0"/>
-              <a:t>30/05/2016</a:t>
+              <a:t>2/06/2016</a:t>
             </a:fld>
             <a:endParaRPr lang="nl-BE"/>
           </a:p>
@@ -458,7 +458,7 @@
           <a:p>
             <a:fld id="{851CCAA1-7406-4F8E-9B33-E05E071D3AC9}" type="slidenum">
               <a:rPr lang="nl-BE" smtClean="0"/>
-              <a:t>‹nr.›</a:t>
+              <a:t>‹#›</a:t>
             </a:fld>
             <a:endParaRPr lang="nl-BE"/>
           </a:p>
@@ -667,7 +667,7 @@
           <a:p>
             <a:fld id="{098228C1-C90F-4B81-8A57-5C74D949BE77}" type="datetimeFigureOut">
               <a:rPr lang="nl-BE" smtClean="0"/>
-              <a:t>30/05/2016</a:t>
+              <a:t>2/06/2016</a:t>
             </a:fld>
             <a:endParaRPr lang="nl-BE"/>
           </a:p>
@@ -796,7 +796,7 @@
           <a:p>
             <a:fld id="{851CCAA1-7406-4F8E-9B33-E05E071D3AC9}" type="slidenum">
               <a:rPr lang="nl-BE" smtClean="0"/>
-              <a:t>‹nr.›</a:t>
+              <a:t>‹#›</a:t>
             </a:fld>
             <a:endParaRPr lang="nl-BE"/>
           </a:p>
@@ -1068,7 +1068,7 @@
           <a:p>
             <a:fld id="{098228C1-C90F-4B81-8A57-5C74D949BE77}" type="datetimeFigureOut">
               <a:rPr lang="nl-BE" smtClean="0"/>
-              <a:t>30/05/2016</a:t>
+              <a:t>2/06/2016</a:t>
             </a:fld>
             <a:endParaRPr lang="nl-BE"/>
           </a:p>
@@ -1197,7 +1197,7 @@
           <a:p>
             <a:fld id="{851CCAA1-7406-4F8E-9B33-E05E071D3AC9}" type="slidenum">
               <a:rPr lang="nl-BE" smtClean="0"/>
-              <a:t>‹nr.›</a:t>
+              <a:t>‹#›</a:t>
             </a:fld>
             <a:endParaRPr lang="nl-BE"/>
           </a:p>
@@ -1404,7 +1404,7 @@
           <a:p>
             <a:fld id="{098228C1-C90F-4B81-8A57-5C74D949BE77}" type="datetimeFigureOut">
               <a:rPr lang="nl-BE" smtClean="0"/>
-              <a:t>30/05/2016</a:t>
+              <a:t>2/06/2016</a:t>
             </a:fld>
             <a:endParaRPr lang="nl-BE"/>
           </a:p>
@@ -1533,7 +1533,7 @@
           <a:p>
             <a:fld id="{851CCAA1-7406-4F8E-9B33-E05E071D3AC9}" type="slidenum">
               <a:rPr lang="nl-BE" smtClean="0"/>
-              <a:t>‹nr.›</a:t>
+              <a:t>‹#›</a:t>
             </a:fld>
             <a:endParaRPr lang="nl-BE"/>
           </a:p>
@@ -1724,7 +1724,7 @@
           <a:p>
             <a:fld id="{098228C1-C90F-4B81-8A57-5C74D949BE77}" type="datetimeFigureOut">
               <a:rPr lang="nl-BE" smtClean="0"/>
-              <a:t>30/05/2016</a:t>
+              <a:t>2/06/2016</a:t>
             </a:fld>
             <a:endParaRPr lang="nl-BE"/>
           </a:p>
@@ -1853,7 +1853,7 @@
           <a:p>
             <a:fld id="{851CCAA1-7406-4F8E-9B33-E05E071D3AC9}" type="slidenum">
               <a:rPr lang="nl-BE" smtClean="0"/>
-              <a:t>‹nr.›</a:t>
+              <a:t>‹#›</a:t>
             </a:fld>
             <a:endParaRPr lang="nl-BE"/>
           </a:p>
@@ -2120,7 +2120,7 @@
           <a:p>
             <a:fld id="{098228C1-C90F-4B81-8A57-5C74D949BE77}" type="datetimeFigureOut">
               <a:rPr lang="nl-BE" smtClean="0"/>
-              <a:t>30/05/2016</a:t>
+              <a:t>2/06/2016</a:t>
             </a:fld>
             <a:endParaRPr lang="nl-BE"/>
           </a:p>
@@ -2249,7 +2249,7 @@
           <a:p>
             <a:fld id="{851CCAA1-7406-4F8E-9B33-E05E071D3AC9}" type="slidenum">
               <a:rPr lang="nl-BE" smtClean="0"/>
-              <a:t>‹nr.›</a:t>
+              <a:t>‹#›</a:t>
             </a:fld>
             <a:endParaRPr lang="nl-BE"/>
           </a:p>
@@ -2377,7 +2377,7 @@
           <a:p>
             <a:fld id="{098228C1-C90F-4B81-8A57-5C74D949BE77}" type="datetimeFigureOut">
               <a:rPr lang="nl-BE" smtClean="0"/>
-              <a:t>30/05/2016</a:t>
+              <a:t>2/06/2016</a:t>
             </a:fld>
             <a:endParaRPr lang="nl-BE"/>
           </a:p>
@@ -2501,7 +2501,7 @@
           <a:p>
             <a:fld id="{851CCAA1-7406-4F8E-9B33-E05E071D3AC9}" type="slidenum">
               <a:rPr lang="nl-BE" smtClean="0"/>
-              <a:t>‹nr.›</a:t>
+              <a:t>‹#›</a:t>
             </a:fld>
             <a:endParaRPr lang="nl-BE"/>
           </a:p>
@@ -2639,7 +2639,7 @@
           <a:p>
             <a:fld id="{098228C1-C90F-4B81-8A57-5C74D949BE77}" type="datetimeFigureOut">
               <a:rPr lang="nl-BE" smtClean="0"/>
-              <a:t>30/05/2016</a:t>
+              <a:t>2/06/2016</a:t>
             </a:fld>
             <a:endParaRPr lang="nl-BE"/>
           </a:p>
@@ -2763,7 +2763,7 @@
           <a:p>
             <a:fld id="{851CCAA1-7406-4F8E-9B33-E05E071D3AC9}" type="slidenum">
               <a:rPr lang="nl-BE" smtClean="0"/>
-              <a:t>‹nr.›</a:t>
+              <a:t>‹#›</a:t>
             </a:fld>
             <a:endParaRPr lang="nl-BE"/>
           </a:p>
@@ -2901,7 +2901,7 @@
           <a:p>
             <a:fld id="{098228C1-C90F-4B81-8A57-5C74D949BE77}" type="datetimeFigureOut">
               <a:rPr lang="nl-BE" smtClean="0"/>
-              <a:t>30/05/2016</a:t>
+              <a:t>2/06/2016</a:t>
             </a:fld>
             <a:endParaRPr lang="nl-BE"/>
           </a:p>
@@ -3025,7 +3025,7 @@
           <a:p>
             <a:fld id="{851CCAA1-7406-4F8E-9B33-E05E071D3AC9}" type="slidenum">
               <a:rPr lang="nl-BE" smtClean="0"/>
-              <a:t>‹nr.›</a:t>
+              <a:t>‹#›</a:t>
             </a:fld>
             <a:endParaRPr lang="nl-BE"/>
           </a:p>
@@ -3230,7 +3230,7 @@
           <a:p>
             <a:fld id="{098228C1-C90F-4B81-8A57-5C74D949BE77}" type="datetimeFigureOut">
               <a:rPr lang="nl-BE" smtClean="0"/>
-              <a:t>30/05/2016</a:t>
+              <a:t>2/06/2016</a:t>
             </a:fld>
             <a:endParaRPr lang="nl-BE"/>
           </a:p>
@@ -3359,7 +3359,7 @@
           <a:p>
             <a:fld id="{851CCAA1-7406-4F8E-9B33-E05E071D3AC9}" type="slidenum">
               <a:rPr lang="nl-BE" smtClean="0"/>
-              <a:t>‹nr.›</a:t>
+              <a:t>‹#›</a:t>
             </a:fld>
             <a:endParaRPr lang="nl-BE"/>
           </a:p>
@@ -3553,7 +3553,7 @@
           <a:p>
             <a:fld id="{098228C1-C90F-4B81-8A57-5C74D949BE77}" type="datetimeFigureOut">
               <a:rPr lang="nl-BE" smtClean="0"/>
-              <a:t>30/05/2016</a:t>
+              <a:t>2/06/2016</a:t>
             </a:fld>
             <a:endParaRPr lang="nl-BE"/>
           </a:p>
@@ -3682,7 +3682,7 @@
           <a:p>
             <a:fld id="{851CCAA1-7406-4F8E-9B33-E05E071D3AC9}" type="slidenum">
               <a:rPr lang="nl-BE" smtClean="0"/>
-              <a:t>‹nr.›</a:t>
+              <a:t>‹#›</a:t>
             </a:fld>
             <a:endParaRPr lang="nl-BE"/>
           </a:p>
@@ -4010,7 +4010,7 @@
           <a:p>
             <a:fld id="{098228C1-C90F-4B81-8A57-5C74D949BE77}" type="datetimeFigureOut">
               <a:rPr lang="nl-BE" smtClean="0"/>
-              <a:t>30/05/2016</a:t>
+              <a:t>2/06/2016</a:t>
             </a:fld>
             <a:endParaRPr lang="nl-BE"/>
           </a:p>
@@ -4139,7 +4139,7 @@
           <a:p>
             <a:fld id="{851CCAA1-7406-4F8E-9B33-E05E071D3AC9}" type="slidenum">
               <a:rPr lang="nl-BE" smtClean="0"/>
-              <a:t>‹nr.›</a:t>
+              <a:t>‹#›</a:t>
             </a:fld>
             <a:endParaRPr lang="nl-BE"/>
           </a:p>
@@ -4215,7 +4215,7 @@
           <a:p>
             <a:fld id="{098228C1-C90F-4B81-8A57-5C74D949BE77}" type="datetimeFigureOut">
               <a:rPr lang="nl-BE" smtClean="0"/>
-              <a:t>30/05/2016</a:t>
+              <a:t>2/06/2016</a:t>
             </a:fld>
             <a:endParaRPr lang="nl-BE"/>
           </a:p>
@@ -4339,7 +4339,7 @@
           <a:p>
             <a:fld id="{851CCAA1-7406-4F8E-9B33-E05E071D3AC9}" type="slidenum">
               <a:rPr lang="nl-BE" smtClean="0"/>
-              <a:t>‹nr.›</a:t>
+              <a:t>‹#›</a:t>
             </a:fld>
             <a:endParaRPr lang="nl-BE"/>
           </a:p>
@@ -4392,7 +4392,7 @@
           <a:p>
             <a:fld id="{098228C1-C90F-4B81-8A57-5C74D949BE77}" type="datetimeFigureOut">
               <a:rPr lang="nl-BE" smtClean="0"/>
-              <a:t>30/05/2016</a:t>
+              <a:t>2/06/2016</a:t>
             </a:fld>
             <a:endParaRPr lang="nl-BE"/>
           </a:p>
@@ -4516,7 +4516,7 @@
           <a:p>
             <a:fld id="{851CCAA1-7406-4F8E-9B33-E05E071D3AC9}" type="slidenum">
               <a:rPr lang="nl-BE" smtClean="0"/>
-              <a:t>‹nr.›</a:t>
+              <a:t>‹#›</a:t>
             </a:fld>
             <a:endParaRPr lang="nl-BE"/>
           </a:p>
@@ -4725,7 +4725,7 @@
           <a:p>
             <a:fld id="{098228C1-C90F-4B81-8A57-5C74D949BE77}" type="datetimeFigureOut">
               <a:rPr lang="nl-BE" smtClean="0"/>
-              <a:t>30/05/2016</a:t>
+              <a:t>2/06/2016</a:t>
             </a:fld>
             <a:endParaRPr lang="nl-BE"/>
           </a:p>
@@ -4849,7 +4849,7 @@
           <a:p>
             <a:fld id="{851CCAA1-7406-4F8E-9B33-E05E071D3AC9}" type="slidenum">
               <a:rPr lang="nl-BE" smtClean="0"/>
-              <a:t>‹nr.›</a:t>
+              <a:t>‹#›</a:t>
             </a:fld>
             <a:endParaRPr lang="nl-BE"/>
           </a:p>
@@ -5070,7 +5070,7 @@
           <a:p>
             <a:fld id="{098228C1-C90F-4B81-8A57-5C74D949BE77}" type="datetimeFigureOut">
               <a:rPr lang="nl-BE" smtClean="0"/>
-              <a:t>30/05/2016</a:t>
+              <a:t>2/06/2016</a:t>
             </a:fld>
             <a:endParaRPr lang="nl-BE"/>
           </a:p>
@@ -5199,7 +5199,7 @@
           <a:p>
             <a:fld id="{851CCAA1-7406-4F8E-9B33-E05E071D3AC9}" type="slidenum">
               <a:rPr lang="nl-BE" smtClean="0"/>
-              <a:t>‹nr.›</a:t>
+              <a:t>‹#›</a:t>
             </a:fld>
             <a:endParaRPr lang="nl-BE"/>
           </a:p>
@@ -7187,7 +7187,7 @@
           <a:p>
             <a:fld id="{098228C1-C90F-4B81-8A57-5C74D949BE77}" type="datetimeFigureOut">
               <a:rPr lang="nl-BE" smtClean="0"/>
-              <a:t>30/05/2016</a:t>
+              <a:t>2/06/2016</a:t>
             </a:fld>
             <a:endParaRPr lang="nl-BE"/>
           </a:p>
@@ -7263,7 +7263,7 @@
           <a:p>
             <a:fld id="{851CCAA1-7406-4F8E-9B33-E05E071D3AC9}" type="slidenum">
               <a:rPr lang="nl-BE" smtClean="0"/>
-              <a:t>‹nr.›</a:t>
+              <a:t>‹#›</a:t>
             </a:fld>
             <a:endParaRPr lang="nl-BE"/>
           </a:p>
@@ -8108,6 +8108,13 @@
   <p:clrMapOvr>
     <a:masterClrMapping/>
   </p:clrMapOvr>
+  <p:timing>
+    <p:tnLst>
+      <p:par>
+        <p:cTn id="1" dur="indefinite" restart="never" nodeType="tmRoot"/>
+      </p:par>
+    </p:tnLst>
+  </p:timing>
 </p:sld>
 </file>
 
@@ -8204,6 +8211,13 @@
   <p:clrMapOvr>
     <a:masterClrMapping/>
   </p:clrMapOvr>
+  <p:timing>
+    <p:tnLst>
+      <p:par>
+        <p:cTn id="1" dur="indefinite" restart="never" nodeType="tmRoot"/>
+      </p:par>
+    </p:tnLst>
+  </p:timing>
 </p:sld>
 </file>
 
@@ -8300,6 +8314,13 @@
   <p:clrMapOvr>
     <a:masterClrMapping/>
   </p:clrMapOvr>
+  <p:timing>
+    <p:tnLst>
+      <p:par>
+        <p:cTn id="1" dur="indefinite" restart="never" nodeType="tmRoot"/>
+      </p:par>
+    </p:tnLst>
+  </p:timing>
 </p:sld>
 </file>
 
@@ -8396,6 +8417,13 @@
   <p:clrMapOvr>
     <a:masterClrMapping/>
   </p:clrMapOvr>
+  <p:timing>
+    <p:tnLst>
+      <p:par>
+        <p:cTn id="1" dur="indefinite" restart="never" nodeType="tmRoot"/>
+      </p:par>
+    </p:tnLst>
+  </p:timing>
 </p:sld>
 </file>
 
@@ -8472,6 +8500,13 @@
   <p:clrMapOvr>
     <a:masterClrMapping/>
   </p:clrMapOvr>
+  <p:timing>
+    <p:tnLst>
+      <p:par>
+        <p:cTn id="1" dur="indefinite" restart="never" nodeType="tmRoot"/>
+      </p:par>
+    </p:tnLst>
+  </p:timing>
 </p:sld>
 </file>
 
@@ -8554,6 +8589,13 @@
   <p:clrMapOvr>
     <a:masterClrMapping/>
   </p:clrMapOvr>
+  <p:timing>
+    <p:tnLst>
+      <p:par>
+        <p:cTn id="1" dur="indefinite" restart="never" nodeType="tmRoot"/>
+      </p:par>
+    </p:tnLst>
+  </p:timing>
 </p:sld>
 </file>
 
@@ -8636,6 +8678,13 @@
   <p:clrMapOvr>
     <a:masterClrMapping/>
   </p:clrMapOvr>
+  <p:timing>
+    <p:tnLst>
+      <p:par>
+        <p:cTn id="1" dur="indefinite" restart="never" nodeType="tmRoot"/>
+      </p:par>
+    </p:tnLst>
+  </p:timing>
 </p:sld>
 </file>
 
@@ -8718,6 +8767,13 @@
   <p:clrMapOvr>
     <a:masterClrMapping/>
   </p:clrMapOvr>
+  <p:timing>
+    <p:tnLst>
+      <p:par>
+        <p:cTn id="1" dur="indefinite" restart="never" nodeType="tmRoot"/>
+      </p:par>
+    </p:tnLst>
+  </p:timing>
 </p:sld>
 </file>
 
@@ -8790,6 +8846,13 @@
   <p:clrMapOvr>
     <a:masterClrMapping/>
   </p:clrMapOvr>
+  <p:timing>
+    <p:tnLst>
+      <p:par>
+        <p:cTn id="1" dur="indefinite" restart="never" nodeType="tmRoot"/>
+      </p:par>
+    </p:tnLst>
+  </p:timing>
 </p:sld>
 </file>
 
@@ -8872,6 +8935,13 @@
   <p:clrMapOvr>
     <a:masterClrMapping/>
   </p:clrMapOvr>
+  <p:timing>
+    <p:tnLst>
+      <p:par>
+        <p:cTn id="1" dur="indefinite" restart="never" nodeType="tmRoot"/>
+      </p:par>
+    </p:tnLst>
+  </p:timing>
 </p:sld>
 </file>
 
@@ -8954,6 +9024,13 @@
   <p:clrMapOvr>
     <a:masterClrMapping/>
   </p:clrMapOvr>
+  <p:timing>
+    <p:tnLst>
+      <p:par>
+        <p:cTn id="1" dur="indefinite" restart="never" nodeType="tmRoot"/>
+      </p:par>
+    </p:tnLst>
+  </p:timing>
 </p:sld>
 </file>
 
@@ -9036,6 +9113,13 @@
   <p:clrMapOvr>
     <a:masterClrMapping/>
   </p:clrMapOvr>
+  <p:timing>
+    <p:tnLst>
+      <p:par>
+        <p:cTn id="1" dur="indefinite" restart="never" nodeType="tmRoot"/>
+      </p:par>
+    </p:tnLst>
+  </p:timing>
 </p:sld>
 </file>
 
@@ -9118,6 +9202,13 @@
   <p:clrMapOvr>
     <a:masterClrMapping/>
   </p:clrMapOvr>
+  <p:timing>
+    <p:tnLst>
+      <p:par>
+        <p:cTn id="1" dur="indefinite" restart="never" nodeType="tmRoot"/>
+      </p:par>
+    </p:tnLst>
+  </p:timing>
 </p:sld>
 </file>
 
@@ -9200,6 +9291,13 @@
   <p:clrMapOvr>
     <a:masterClrMapping/>
   </p:clrMapOvr>
+  <p:timing>
+    <p:tnLst>
+      <p:par>
+        <p:cTn id="1" dur="indefinite" restart="never" nodeType="tmRoot"/>
+      </p:par>
+    </p:tnLst>
+  </p:timing>
 </p:sld>
 </file>
 
@@ -9282,6 +9380,13 @@
   <p:clrMapOvr>
     <a:masterClrMapping/>
   </p:clrMapOvr>
+  <p:timing>
+    <p:tnLst>
+      <p:par>
+        <p:cTn id="1" dur="indefinite" restart="never" nodeType="tmRoot"/>
+      </p:par>
+    </p:tnLst>
+  </p:timing>
 </p:sld>
 </file>
 
@@ -9474,6 +9579,13 @@
   <p:clrMapOvr>
     <a:masterClrMapping/>
   </p:clrMapOvr>
+  <p:timing>
+    <p:tnLst>
+      <p:par>
+        <p:cTn id="1" dur="indefinite" restart="never" nodeType="tmRoot"/>
+      </p:par>
+    </p:tnLst>
+  </p:timing>
 </p:sld>
 </file>
 
@@ -9847,7 +9959,11 @@
           <a:p>
             <a:r>
               <a:rPr lang="nl-BE" dirty="0" smtClean="0"/>
-              <a:t>Gericht op mobiele apperaten</a:t>
+              <a:t>Gericht op mobiele </a:t>
+            </a:r>
+            <a:r>
+              <a:rPr lang="nl-BE" dirty="0" smtClean="0"/>
+              <a:t>apparaten</a:t>
             </a:r>
             <a:endParaRPr lang="nl-BE" dirty="0"/>
           </a:p>
@@ -9946,6 +10062,13 @@
   <p:clrMapOvr>
     <a:masterClrMapping/>
   </p:clrMapOvr>
+  <p:timing>
+    <p:tnLst>
+      <p:par>
+        <p:cTn id="1" dur="indefinite" restart="never" nodeType="tmRoot"/>
+      </p:par>
+    </p:tnLst>
+  </p:timing>
 </p:sld>
 </file>
 
@@ -10021,6 +10144,13 @@
   <p:clrMapOvr>
     <a:masterClrMapping/>
   </p:clrMapOvr>
+  <p:timing>
+    <p:tnLst>
+      <p:par>
+        <p:cTn id="1" dur="indefinite" restart="never" nodeType="tmRoot"/>
+      </p:par>
+    </p:tnLst>
+  </p:timing>
 </p:sld>
 </file>
 
@@ -10141,6 +10271,13 @@
   <p:clrMapOvr>
     <a:masterClrMapping/>
   </p:clrMapOvr>
+  <p:timing>
+    <p:tnLst>
+      <p:par>
+        <p:cTn id="1" dur="indefinite" restart="never" nodeType="tmRoot"/>
+      </p:par>
+    </p:tnLst>
+  </p:timing>
 </p:sld>
 </file>
 
@@ -10217,6 +10354,13 @@
   <p:clrMapOvr>
     <a:masterClrMapping/>
   </p:clrMapOvr>
+  <p:timing>
+    <p:tnLst>
+      <p:par>
+        <p:cTn id="1" dur="indefinite" restart="never" nodeType="tmRoot"/>
+      </p:par>
+    </p:tnLst>
+  </p:timing>
 </p:sld>
 </file>
 
